--- a/March_2015/Oleynikov_.pptx
+++ b/March_2015/Oleynikov_.pptx
@@ -173,6 +173,20 @@
         </p14:section>
       </p14:sectionLst>
     </p:ext>
+    <p:ext uri="{EFAFB233-063F-42B5-8137-9DF3F51BA10A}">
+      <p15:sldGuideLst xmlns:p15="http://schemas.microsoft.com/office/powerpoint/2012/main">
+        <p15:guide id="1" orient="horz" pos="2160">
+          <p15:clr>
+            <a:srgbClr val="A4A3A4"/>
+          </p15:clr>
+        </p15:guide>
+        <p15:guide id="2" pos="2880">
+          <p15:clr>
+            <a:srgbClr val="A4A3A4"/>
+          </p15:clr>
+        </p15:guide>
+      </p15:sldGuideLst>
+    </p:ext>
   </p:extLst>
 </p:presentation>
 </file>
@@ -260,7 +274,7 @@
             <a:fld id="{07B53106-B066-4F75-866A-425466E1C25E}" type="datetimeFigureOut">
               <a:rPr lang="ru-RU" smtClean="0"/>
               <a:pPr/>
-              <a:t>04.03.2015</a:t>
+              <a:t>10.03.2015</a:t>
             </a:fld>
             <a:endParaRPr lang="ru-RU" dirty="0"/>
           </a:p>
@@ -606,6 +620,11 @@
         </p:txBody>
       </p:sp>
     </p:spTree>
+    <p:extLst>
+      <p:ext uri="{BB962C8B-B14F-4D97-AF65-F5344CB8AC3E}">
+        <p14:creationId xmlns:p14="http://schemas.microsoft.com/office/powerpoint/2010/main" val="1580017492"/>
+      </p:ext>
+    </p:extLst>
   </p:cSld>
   <p:clrMapOvr>
     <a:masterClrMapping/>
@@ -688,6 +707,11 @@
         </p:txBody>
       </p:sp>
     </p:spTree>
+    <p:extLst>
+      <p:ext uri="{BB962C8B-B14F-4D97-AF65-F5344CB8AC3E}">
+        <p14:creationId xmlns:p14="http://schemas.microsoft.com/office/powerpoint/2010/main" val="3591430912"/>
+      </p:ext>
+    </p:extLst>
   </p:cSld>
   <p:clrMapOvr>
     <a:masterClrMapping/>
@@ -770,6 +794,11 @@
         </p:txBody>
       </p:sp>
     </p:spTree>
+    <p:extLst>
+      <p:ext uri="{BB962C8B-B14F-4D97-AF65-F5344CB8AC3E}">
+        <p14:creationId xmlns:p14="http://schemas.microsoft.com/office/powerpoint/2010/main" val="2582233377"/>
+      </p:ext>
+    </p:extLst>
   </p:cSld>
   <p:clrMapOvr>
     <a:masterClrMapping/>
@@ -852,6 +881,11 @@
         </p:txBody>
       </p:sp>
     </p:spTree>
+    <p:extLst>
+      <p:ext uri="{BB962C8B-B14F-4D97-AF65-F5344CB8AC3E}">
+        <p14:creationId xmlns:p14="http://schemas.microsoft.com/office/powerpoint/2010/main" val="674717319"/>
+      </p:ext>
+    </p:extLst>
   </p:cSld>
   <p:clrMapOvr>
     <a:masterClrMapping/>
@@ -934,6 +968,11 @@
         </p:txBody>
       </p:sp>
     </p:spTree>
+    <p:extLst>
+      <p:ext uri="{BB962C8B-B14F-4D97-AF65-F5344CB8AC3E}">
+        <p14:creationId xmlns:p14="http://schemas.microsoft.com/office/powerpoint/2010/main" val="1214724474"/>
+      </p:ext>
+    </p:extLst>
   </p:cSld>
   <p:clrMapOvr>
     <a:masterClrMapping/>
@@ -1123,7 +1162,7 @@
             <a:fld id="{5B106E36-FD25-4E2D-B0AA-010F637433A0}" type="datetimeFigureOut">
               <a:rPr lang="ru-RU" smtClean="0"/>
               <a:pPr/>
-              <a:t>04.03.2015</a:t>
+              <a:t>10.03.2015</a:t>
             </a:fld>
             <a:endParaRPr lang="ru-RU" dirty="0"/>
           </a:p>
@@ -1290,7 +1329,7 @@
             <a:fld id="{5B106E36-FD25-4E2D-B0AA-010F637433A0}" type="datetimeFigureOut">
               <a:rPr lang="ru-RU" smtClean="0"/>
               <a:pPr/>
-              <a:t>04.03.2015</a:t>
+              <a:t>10.03.2015</a:t>
             </a:fld>
             <a:endParaRPr lang="ru-RU" dirty="0"/>
           </a:p>
@@ -1467,7 +1506,7 @@
             <a:fld id="{5B106E36-FD25-4E2D-B0AA-010F637433A0}" type="datetimeFigureOut">
               <a:rPr lang="ru-RU" smtClean="0"/>
               <a:pPr/>
-              <a:t>04.03.2015</a:t>
+              <a:t>10.03.2015</a:t>
             </a:fld>
             <a:endParaRPr lang="ru-RU" dirty="0"/>
           </a:p>
@@ -1634,7 +1673,7 @@
             <a:fld id="{5B106E36-FD25-4E2D-B0AA-010F637433A0}" type="datetimeFigureOut">
               <a:rPr lang="ru-RU" smtClean="0"/>
               <a:pPr/>
-              <a:t>04.03.2015</a:t>
+              <a:t>10.03.2015</a:t>
             </a:fld>
             <a:endParaRPr lang="ru-RU" dirty="0"/>
           </a:p>
@@ -1877,7 +1916,7 @@
             <a:fld id="{5B106E36-FD25-4E2D-B0AA-010F637433A0}" type="datetimeFigureOut">
               <a:rPr lang="ru-RU" smtClean="0"/>
               <a:pPr/>
-              <a:t>04.03.2015</a:t>
+              <a:t>10.03.2015</a:t>
             </a:fld>
             <a:endParaRPr lang="ru-RU" dirty="0"/>
           </a:p>
@@ -2162,7 +2201,7 @@
             <a:fld id="{5B106E36-FD25-4E2D-B0AA-010F637433A0}" type="datetimeFigureOut">
               <a:rPr lang="ru-RU" smtClean="0"/>
               <a:pPr/>
-              <a:t>04.03.2015</a:t>
+              <a:t>10.03.2015</a:t>
             </a:fld>
             <a:endParaRPr lang="ru-RU" dirty="0"/>
           </a:p>
@@ -2581,7 +2620,7 @@
             <a:fld id="{5B106E36-FD25-4E2D-B0AA-010F637433A0}" type="datetimeFigureOut">
               <a:rPr lang="ru-RU" smtClean="0"/>
               <a:pPr/>
-              <a:t>04.03.2015</a:t>
+              <a:t>10.03.2015</a:t>
             </a:fld>
             <a:endParaRPr lang="ru-RU" dirty="0"/>
           </a:p>
@@ -2696,7 +2735,7 @@
             <a:fld id="{5B106E36-FD25-4E2D-B0AA-010F637433A0}" type="datetimeFigureOut">
               <a:rPr lang="ru-RU" smtClean="0"/>
               <a:pPr/>
-              <a:t>04.03.2015</a:t>
+              <a:t>10.03.2015</a:t>
             </a:fld>
             <a:endParaRPr lang="ru-RU" dirty="0"/>
           </a:p>
@@ -2788,7 +2827,7 @@
             <a:fld id="{5B106E36-FD25-4E2D-B0AA-010F637433A0}" type="datetimeFigureOut">
               <a:rPr lang="ru-RU" smtClean="0"/>
               <a:pPr/>
-              <a:t>04.03.2015</a:t>
+              <a:t>10.03.2015</a:t>
             </a:fld>
             <a:endParaRPr lang="ru-RU" dirty="0"/>
           </a:p>
@@ -3062,7 +3101,7 @@
             <a:fld id="{5B106E36-FD25-4E2D-B0AA-010F637433A0}" type="datetimeFigureOut">
               <a:rPr lang="ru-RU" smtClean="0"/>
               <a:pPr/>
-              <a:t>04.03.2015</a:t>
+              <a:t>10.03.2015</a:t>
             </a:fld>
             <a:endParaRPr lang="ru-RU" dirty="0"/>
           </a:p>
@@ -3312,7 +3351,7 @@
             <a:fld id="{5B106E36-FD25-4E2D-B0AA-010F637433A0}" type="datetimeFigureOut">
               <a:rPr lang="ru-RU" smtClean="0"/>
               <a:pPr/>
-              <a:t>04.03.2015</a:t>
+              <a:t>10.03.2015</a:t>
             </a:fld>
             <a:endParaRPr lang="ru-RU" dirty="0"/>
           </a:p>
@@ -3527,7 +3566,7 @@
             <a:fld id="{5B106E36-FD25-4E2D-B0AA-010F637433A0}" type="datetimeFigureOut">
               <a:rPr lang="ru-RU" smtClean="0"/>
               <a:pPr/>
-              <a:t>04.03.2015</a:t>
+              <a:t>10.03.2015</a:t>
             </a:fld>
             <a:endParaRPr lang="ru-RU" dirty="0"/>
           </a:p>
@@ -4737,7 +4776,7 @@
         </p:nvSpPr>
         <p:spPr>
           <a:xfrm>
-            <a:off x="236699" y="1591925"/>
+            <a:off x="236699" y="1052736"/>
             <a:ext cx="4258816" cy="1200329"/>
           </a:xfrm>
           <a:prstGeom prst="rect">
@@ -5128,296 +5167,14 @@
       </p:grpSp>
       <p:sp>
         <p:nvSpPr>
-          <p:cNvPr id="29" name="Куб 28"/>
-          <p:cNvSpPr/>
-          <p:nvPr/>
-        </p:nvSpPr>
-        <p:spPr>
-          <a:xfrm rot="5400000">
-            <a:off x="5556388" y="3672770"/>
-            <a:ext cx="886260" cy="314152"/>
-          </a:xfrm>
-          <a:prstGeom prst="cube">
-            <a:avLst>
-              <a:gd name="adj" fmla="val 10233"/>
-            </a:avLst>
-          </a:prstGeom>
-          <a:solidFill>
-            <a:schemeClr val="accent2">
-              <a:lumMod val="75000"/>
-            </a:schemeClr>
-          </a:solidFill>
-        </p:spPr>
-        <p:style>
-          <a:lnRef idx="2">
-            <a:schemeClr val="accent1">
-              <a:shade val="50000"/>
-            </a:schemeClr>
-          </a:lnRef>
-          <a:fillRef idx="1">
-            <a:schemeClr val="accent1"/>
-          </a:fillRef>
-          <a:effectRef idx="0">
-            <a:schemeClr val="accent1"/>
-          </a:effectRef>
-          <a:fontRef idx="minor">
-            <a:schemeClr val="lt1"/>
-          </a:fontRef>
-        </p:style>
-        <p:txBody>
-          <a:bodyPr rtlCol="0" anchor="ctr"/>
-          <a:lstStyle/>
-          <a:p>
-            <a:pPr algn="ctr"/>
-            <a:endParaRPr lang="ru-RU"/>
-          </a:p>
-        </p:txBody>
-      </p:sp>
-      <p:sp>
-        <p:nvSpPr>
-          <p:cNvPr id="33" name="Куб 32"/>
-          <p:cNvSpPr/>
-          <p:nvPr/>
-        </p:nvSpPr>
-        <p:spPr>
-          <a:xfrm rot="5400000">
-            <a:off x="7088494" y="3661687"/>
-            <a:ext cx="886260" cy="314152"/>
-          </a:xfrm>
-          <a:prstGeom prst="cube">
-            <a:avLst>
-              <a:gd name="adj" fmla="val 10233"/>
-            </a:avLst>
-          </a:prstGeom>
-          <a:solidFill>
-            <a:schemeClr val="accent2">
-              <a:lumMod val="75000"/>
-            </a:schemeClr>
-          </a:solidFill>
-        </p:spPr>
-        <p:style>
-          <a:lnRef idx="2">
-            <a:schemeClr val="accent1">
-              <a:shade val="50000"/>
-            </a:schemeClr>
-          </a:lnRef>
-          <a:fillRef idx="1">
-            <a:schemeClr val="accent1"/>
-          </a:fillRef>
-          <a:effectRef idx="0">
-            <a:schemeClr val="accent1"/>
-          </a:effectRef>
-          <a:fontRef idx="minor">
-            <a:schemeClr val="lt1"/>
-          </a:fontRef>
-        </p:style>
-        <p:txBody>
-          <a:bodyPr rtlCol="0" anchor="ctr"/>
-          <a:lstStyle/>
-          <a:p>
-            <a:pPr algn="ctr"/>
-            <a:endParaRPr lang="ru-RU"/>
-          </a:p>
-        </p:txBody>
-      </p:sp>
-      <p:sp>
-        <p:nvSpPr>
-          <p:cNvPr id="34" name="Куб 33"/>
-          <p:cNvSpPr/>
-          <p:nvPr/>
-        </p:nvSpPr>
-        <p:spPr>
-          <a:xfrm rot="5400000">
-            <a:off x="6682566" y="3661687"/>
-            <a:ext cx="886260" cy="314152"/>
-          </a:xfrm>
-          <a:prstGeom prst="cube">
-            <a:avLst>
-              <a:gd name="adj" fmla="val 10233"/>
-            </a:avLst>
-          </a:prstGeom>
-          <a:solidFill>
-            <a:schemeClr val="accent2">
-              <a:lumMod val="75000"/>
-            </a:schemeClr>
-          </a:solidFill>
-        </p:spPr>
-        <p:style>
-          <a:lnRef idx="2">
-            <a:schemeClr val="accent1">
-              <a:shade val="50000"/>
-            </a:schemeClr>
-          </a:lnRef>
-          <a:fillRef idx="1">
-            <a:schemeClr val="accent1"/>
-          </a:fillRef>
-          <a:effectRef idx="0">
-            <a:schemeClr val="accent1"/>
-          </a:effectRef>
-          <a:fontRef idx="minor">
-            <a:schemeClr val="lt1"/>
-          </a:fontRef>
-        </p:style>
-        <p:txBody>
-          <a:bodyPr rtlCol="0" anchor="ctr"/>
-          <a:lstStyle/>
-          <a:p>
-            <a:pPr algn="ctr"/>
-            <a:endParaRPr lang="ru-RU"/>
-          </a:p>
-        </p:txBody>
-      </p:sp>
-      <p:sp>
-        <p:nvSpPr>
-          <p:cNvPr id="35" name="Куб 34"/>
-          <p:cNvSpPr/>
-          <p:nvPr/>
-        </p:nvSpPr>
-        <p:spPr>
-          <a:xfrm rot="5400000">
-            <a:off x="6287287" y="3643046"/>
-            <a:ext cx="886260" cy="314152"/>
-          </a:xfrm>
-          <a:prstGeom prst="cube">
-            <a:avLst>
-              <a:gd name="adj" fmla="val 10233"/>
-            </a:avLst>
-          </a:prstGeom>
-          <a:solidFill>
-            <a:schemeClr val="accent2">
-              <a:lumMod val="75000"/>
-            </a:schemeClr>
-          </a:solidFill>
-        </p:spPr>
-        <p:style>
-          <a:lnRef idx="2">
-            <a:schemeClr val="accent1">
-              <a:shade val="50000"/>
-            </a:schemeClr>
-          </a:lnRef>
-          <a:fillRef idx="1">
-            <a:schemeClr val="accent1"/>
-          </a:fillRef>
-          <a:effectRef idx="0">
-            <a:schemeClr val="accent1"/>
-          </a:effectRef>
-          <a:fontRef idx="minor">
-            <a:schemeClr val="lt1"/>
-          </a:fontRef>
-        </p:style>
-        <p:txBody>
-          <a:bodyPr rtlCol="0" anchor="ctr"/>
-          <a:lstStyle/>
-          <a:p>
-            <a:pPr algn="ctr"/>
-            <a:endParaRPr lang="ru-RU"/>
-          </a:p>
-        </p:txBody>
-      </p:sp>
-      <p:sp>
-        <p:nvSpPr>
-          <p:cNvPr id="36" name="Куб 35"/>
-          <p:cNvSpPr/>
-          <p:nvPr/>
-        </p:nvSpPr>
-        <p:spPr>
-          <a:xfrm rot="5400000">
-            <a:off x="5916009" y="3661779"/>
-            <a:ext cx="886260" cy="314152"/>
-          </a:xfrm>
-          <a:prstGeom prst="cube">
-            <a:avLst>
-              <a:gd name="adj" fmla="val 10233"/>
-            </a:avLst>
-          </a:prstGeom>
-          <a:solidFill>
-            <a:schemeClr val="accent2">
-              <a:lumMod val="75000"/>
-            </a:schemeClr>
-          </a:solidFill>
-        </p:spPr>
-        <p:style>
-          <a:lnRef idx="2">
-            <a:schemeClr val="accent1">
-              <a:shade val="50000"/>
-            </a:schemeClr>
-          </a:lnRef>
-          <a:fillRef idx="1">
-            <a:schemeClr val="accent1"/>
-          </a:fillRef>
-          <a:effectRef idx="0">
-            <a:schemeClr val="accent1"/>
-          </a:effectRef>
-          <a:fontRef idx="minor">
-            <a:schemeClr val="lt1"/>
-          </a:fontRef>
-        </p:style>
-        <p:txBody>
-          <a:bodyPr rtlCol="0" anchor="ctr"/>
-          <a:lstStyle/>
-          <a:p>
-            <a:pPr algn="ctr"/>
-            <a:endParaRPr lang="ru-RU"/>
-          </a:p>
-        </p:txBody>
-      </p:sp>
-      <p:sp>
-        <p:nvSpPr>
-          <p:cNvPr id="42" name="Куб 41"/>
-          <p:cNvSpPr/>
-          <p:nvPr/>
-        </p:nvSpPr>
-        <p:spPr>
-          <a:xfrm rot="5400000">
-            <a:off x="7483609" y="3643046"/>
-            <a:ext cx="886260" cy="314152"/>
-          </a:xfrm>
-          <a:prstGeom prst="cube">
-            <a:avLst>
-              <a:gd name="adj" fmla="val 10233"/>
-            </a:avLst>
-          </a:prstGeom>
-          <a:solidFill>
-            <a:schemeClr val="accent2">
-              <a:lumMod val="75000"/>
-            </a:schemeClr>
-          </a:solidFill>
-        </p:spPr>
-        <p:style>
-          <a:lnRef idx="2">
-            <a:schemeClr val="accent1">
-              <a:shade val="50000"/>
-            </a:schemeClr>
-          </a:lnRef>
-          <a:fillRef idx="1">
-            <a:schemeClr val="accent1"/>
-          </a:fillRef>
-          <a:effectRef idx="0">
-            <a:schemeClr val="accent1"/>
-          </a:effectRef>
-          <a:fontRef idx="minor">
-            <a:schemeClr val="lt1"/>
-          </a:fontRef>
-        </p:style>
-        <p:txBody>
-          <a:bodyPr rtlCol="0" anchor="ctr"/>
-          <a:lstStyle/>
-          <a:p>
-            <a:pPr algn="ctr"/>
-            <a:endParaRPr lang="ru-RU"/>
-          </a:p>
-        </p:txBody>
-      </p:sp>
-      <p:sp>
-        <p:nvSpPr>
           <p:cNvPr id="7" name="Прямоугольник 6"/>
           <p:cNvSpPr/>
           <p:nvPr/>
         </p:nvSpPr>
         <p:spPr>
           <a:xfrm>
-            <a:off x="5648857" y="1659360"/>
-            <a:ext cx="3049603" cy="1477328"/>
+            <a:off x="5198068" y="1124744"/>
+            <a:ext cx="3694412" cy="1200329"/>
           </a:xfrm>
           <a:prstGeom prst="rect">
             <a:avLst/>
@@ -5591,6 +5348,30 @@
               </a14:hiddenLine>
             </a:ext>
           </a:extLst>
+        </p:spPr>
+      </p:pic>
+      <p:pic>
+        <p:nvPicPr>
+          <p:cNvPr id="2" name="Рисунок 1"/>
+          <p:cNvPicPr>
+            <a:picLocks noChangeAspect="1"/>
+          </p:cNvPicPr>
+          <p:nvPr/>
+        </p:nvPicPr>
+        <p:blipFill>
+          <a:blip r:embed="rId5"/>
+          <a:stretch>
+            <a:fillRect/>
+          </a:stretch>
+        </p:blipFill>
+        <p:spPr>
+          <a:xfrm>
+            <a:off x="5940152" y="2587806"/>
+            <a:ext cx="2088231" cy="1417258"/>
+          </a:xfrm>
+          <a:prstGeom prst="rect">
+            <a:avLst/>
+          </a:prstGeom>
         </p:spPr>
       </p:pic>
     </p:spTree>
@@ -7151,7 +6932,7 @@
                         <m:sSubSupPr>
                           <m:ctrlPr>
                             <a:rPr lang="en-US" sz="4400" b="0" i="1" smtClean="0">
-                              <a:latin typeface="Cambria Math"/>
+                              <a:latin typeface="Cambria Math" panose="02040503050406030204" pitchFamily="18" charset="0"/>
                             </a:rPr>
                           </m:ctrlPr>
                         </m:sSubSupPr>
@@ -7262,7 +7043,7 @@
                         <m:sSubSupPr>
                           <m:ctrlPr>
                             <a:rPr lang="en-US" sz="4400" b="0" i="1" smtClean="0">
-                              <a:latin typeface="Cambria Math"/>
+                              <a:latin typeface="Cambria Math" panose="02040503050406030204" pitchFamily="18" charset="0"/>
                             </a:rPr>
                           </m:ctrlPr>
                         </m:sSubSupPr>
@@ -7385,7 +7166,7 @@
                         <m:sSubSupPr>
                           <m:ctrlPr>
                             <a:rPr lang="en-US" sz="4400" b="0" i="1" smtClean="0">
-                              <a:latin typeface="Cambria Math"/>
+                              <a:latin typeface="Cambria Math" panose="02040503050406030204" pitchFamily="18" charset="0"/>
                             </a:rPr>
                           </m:ctrlPr>
                         </m:sSubSupPr>
@@ -10885,7 +10666,7 @@
                         <m:sSupPr>
                           <m:ctrlPr>
                             <a:rPr lang="ru-RU" sz="2400" i="1" smtClean="0">
-                              <a:latin typeface="Cambria Math"/>
+                              <a:latin typeface="Cambria Math" panose="02040503050406030204" pitchFamily="18" charset="0"/>
                             </a:rPr>
                           </m:ctrlPr>
                         </m:sSupPr>
@@ -10894,7 +10675,7 @@
                             <m:dPr>
                               <m:ctrlPr>
                                 <a:rPr lang="ru-RU" sz="2400" i="1">
-                                  <a:latin typeface="Cambria Math"/>
+                                  <a:latin typeface="Cambria Math" panose="02040503050406030204" pitchFamily="18" charset="0"/>
                                 </a:rPr>
                               </m:ctrlPr>
                             </m:dPr>
@@ -10903,7 +10684,7 @@
                                 <m:fPr>
                                   <m:ctrlPr>
                                     <a:rPr lang="ru-RU" sz="2400" i="1">
-                                      <a:latin typeface="Cambria Math"/>
+                                      <a:latin typeface="Cambria Math" panose="02040503050406030204" pitchFamily="18" charset="0"/>
                                     </a:rPr>
                                   </m:ctrlPr>
                                 </m:fPr>
@@ -10956,7 +10737,7 @@
                         <m:sSupPr>
                           <m:ctrlPr>
                             <a:rPr lang="ru-RU" sz="2400" i="1">
-                              <a:latin typeface="Cambria Math"/>
+                              <a:latin typeface="Cambria Math" panose="02040503050406030204" pitchFamily="18" charset="0"/>
                             </a:rPr>
                           </m:ctrlPr>
                         </m:sSupPr>
@@ -10965,7 +10746,7 @@
                             <m:dPr>
                               <m:ctrlPr>
                                 <a:rPr lang="ru-RU" sz="2400" i="1">
-                                  <a:latin typeface="Cambria Math"/>
+                                  <a:latin typeface="Cambria Math" panose="02040503050406030204" pitchFamily="18" charset="0"/>
                                 </a:rPr>
                               </m:ctrlPr>
                             </m:dPr>
@@ -10974,7 +10755,7 @@
                                 <m:fPr>
                                   <m:ctrlPr>
                                     <a:rPr lang="ru-RU" sz="2400" i="1">
-                                      <a:latin typeface="Cambria Math"/>
+                                      <a:latin typeface="Cambria Math" panose="02040503050406030204" pitchFamily="18" charset="0"/>
                                     </a:rPr>
                                   </m:ctrlPr>
                                 </m:fPr>
@@ -11025,7 +10806,7 @@
                         <m:sSupPr>
                           <m:ctrlPr>
                             <a:rPr lang="ru-RU" sz="2400" i="1">
-                              <a:latin typeface="Cambria Math"/>
+                              <a:latin typeface="Cambria Math" panose="02040503050406030204" pitchFamily="18" charset="0"/>
                             </a:rPr>
                           </m:ctrlPr>
                         </m:sSupPr>
@@ -11034,7 +10815,7 @@
                             <m:dPr>
                               <m:ctrlPr>
                                 <a:rPr lang="ru-RU" sz="2400" i="1">
-                                  <a:latin typeface="Cambria Math"/>
+                                  <a:latin typeface="Cambria Math" panose="02040503050406030204" pitchFamily="18" charset="0"/>
                                 </a:rPr>
                               </m:ctrlPr>
                             </m:dPr>
@@ -11043,7 +10824,7 @@
                                 <m:fPr>
                                   <m:ctrlPr>
                                     <a:rPr lang="ru-RU" sz="2400" i="1">
-                                      <a:latin typeface="Cambria Math"/>
+                                      <a:latin typeface="Cambria Math" panose="02040503050406030204" pitchFamily="18" charset="0"/>
                                     </a:rPr>
                                   </m:ctrlPr>
                                 </m:fPr>
@@ -11089,7 +10870,7 @@
                         <m:fPr>
                           <m:ctrlPr>
                             <a:rPr lang="en-US" sz="2400" i="1">
-                              <a:latin typeface="Cambria Math"/>
+                              <a:latin typeface="Cambria Math" panose="02040503050406030204" pitchFamily="18" charset="0"/>
                             </a:rPr>
                           </m:ctrlPr>
                         </m:fPr>
@@ -11120,7 +10901,7 @@
                         <m:sSupPr>
                           <m:ctrlPr>
                             <a:rPr lang="ru-RU" sz="2400" i="1">
-                              <a:latin typeface="Cambria Math"/>
+                              <a:latin typeface="Cambria Math" panose="02040503050406030204" pitchFamily="18" charset="0"/>
                             </a:rPr>
                           </m:ctrlPr>
                         </m:sSupPr>
@@ -11129,7 +10910,7 @@
                             <m:fPr>
                               <m:ctrlPr>
                                 <a:rPr lang="en-US" sz="2400" i="1">
-                                  <a:latin typeface="Cambria Math"/>
+                                  <a:latin typeface="Cambria Math" panose="02040503050406030204" pitchFamily="18" charset="0"/>
                                 </a:rPr>
                               </m:ctrlPr>
                             </m:fPr>
@@ -11176,7 +10957,7 @@
                             <m:dPr>
                               <m:ctrlPr>
                                 <a:rPr lang="ru-RU" sz="2400" i="1">
-                                  <a:latin typeface="Cambria Math"/>
+                                  <a:latin typeface="Cambria Math" panose="02040503050406030204" pitchFamily="18" charset="0"/>
                                 </a:rPr>
                               </m:ctrlPr>
                             </m:dPr>
@@ -11185,7 +10966,7 @@
                                 <m:fPr>
                                   <m:ctrlPr>
                                     <a:rPr lang="ru-RU" sz="2400" i="1">
-                                      <a:latin typeface="Cambria Math"/>
+                                      <a:latin typeface="Cambria Math" panose="02040503050406030204" pitchFamily="18" charset="0"/>
                                     </a:rPr>
                                   </m:ctrlPr>
                                 </m:fPr>
@@ -11231,7 +11012,7 @@
                         <m:fPr>
                           <m:ctrlPr>
                             <a:rPr lang="en-US" sz="2400" i="1" smtClean="0">
-                              <a:latin typeface="Cambria Math"/>
+                              <a:latin typeface="Cambria Math" panose="02040503050406030204" pitchFamily="18" charset="0"/>
                             </a:rPr>
                           </m:ctrlPr>
                         </m:fPr>
@@ -11270,7 +11051,7 @@
                         <m:sSupPr>
                           <m:ctrlPr>
                             <a:rPr lang="ru-RU" sz="2400" b="0" i="1" smtClean="0">
-                              <a:latin typeface="Cambria Math"/>
+                              <a:latin typeface="Cambria Math" panose="02040503050406030204" pitchFamily="18" charset="0"/>
                               <a:ea typeface="Cambria Math"/>
                             </a:rPr>
                           </m:ctrlPr>
@@ -12546,7 +12327,7 @@
                         <m:sSupPr>
                           <m:ctrlPr>
                             <a:rPr lang="ru-RU" sz="2400" i="1" smtClean="0">
-                              <a:latin typeface="Cambria Math"/>
+                              <a:latin typeface="Cambria Math" panose="02040503050406030204" pitchFamily="18" charset="0"/>
                             </a:rPr>
                           </m:ctrlPr>
                         </m:sSupPr>
@@ -12555,7 +12336,7 @@
                             <m:dPr>
                               <m:ctrlPr>
                                 <a:rPr lang="ru-RU" sz="2400" i="1">
-                                  <a:latin typeface="Cambria Math"/>
+                                  <a:latin typeface="Cambria Math" panose="02040503050406030204" pitchFamily="18" charset="0"/>
                                 </a:rPr>
                               </m:ctrlPr>
                             </m:dPr>
@@ -12564,7 +12345,7 @@
                                 <m:fPr>
                                   <m:ctrlPr>
                                     <a:rPr lang="ru-RU" sz="2400" i="1">
-                                      <a:latin typeface="Cambria Math"/>
+                                      <a:latin typeface="Cambria Math" panose="02040503050406030204" pitchFamily="18" charset="0"/>
                                     </a:rPr>
                                   </m:ctrlPr>
                                 </m:fPr>
@@ -12616,7 +12397,7 @@
                         <m:sSupPr>
                           <m:ctrlPr>
                             <a:rPr lang="ru-RU" sz="2400" i="1">
-                              <a:latin typeface="Cambria Math"/>
+                              <a:latin typeface="Cambria Math" panose="02040503050406030204" pitchFamily="18" charset="0"/>
                             </a:rPr>
                           </m:ctrlPr>
                         </m:sSupPr>
@@ -12625,7 +12406,7 @@
                             <m:dPr>
                               <m:ctrlPr>
                                 <a:rPr lang="ru-RU" sz="2400" i="1">
-                                  <a:latin typeface="Cambria Math"/>
+                                  <a:latin typeface="Cambria Math" panose="02040503050406030204" pitchFamily="18" charset="0"/>
                                 </a:rPr>
                               </m:ctrlPr>
                             </m:dPr>
@@ -12634,7 +12415,7 @@
                                 <m:fPr>
                                   <m:ctrlPr>
                                     <a:rPr lang="ru-RU" sz="2400" i="1">
-                                      <a:latin typeface="Cambria Math"/>
+                                      <a:latin typeface="Cambria Math" panose="02040503050406030204" pitchFamily="18" charset="0"/>
                                     </a:rPr>
                                   </m:ctrlPr>
                                 </m:fPr>
@@ -12685,7 +12466,7 @@
                         <m:sSupPr>
                           <m:ctrlPr>
                             <a:rPr lang="ru-RU" sz="2400" i="1">
-                              <a:latin typeface="Cambria Math"/>
+                              <a:latin typeface="Cambria Math" panose="02040503050406030204" pitchFamily="18" charset="0"/>
                             </a:rPr>
                           </m:ctrlPr>
                         </m:sSupPr>
@@ -12694,7 +12475,7 @@
                             <m:dPr>
                               <m:ctrlPr>
                                 <a:rPr lang="ru-RU" sz="2400" i="1">
-                                  <a:latin typeface="Cambria Math"/>
+                                  <a:latin typeface="Cambria Math" panose="02040503050406030204" pitchFamily="18" charset="0"/>
                                 </a:rPr>
                               </m:ctrlPr>
                             </m:dPr>
@@ -12703,7 +12484,7 @@
                                 <m:fPr>
                                   <m:ctrlPr>
                                     <a:rPr lang="ru-RU" sz="2400" i="1">
-                                      <a:latin typeface="Cambria Math"/>
+                                      <a:latin typeface="Cambria Math" panose="02040503050406030204" pitchFamily="18" charset="0"/>
                                     </a:rPr>
                                   </m:ctrlPr>
                                 </m:fPr>
@@ -12749,7 +12530,7 @@
                         <m:fPr>
                           <m:ctrlPr>
                             <a:rPr lang="en-US" sz="2400" i="1">
-                              <a:latin typeface="Cambria Math"/>
+                              <a:latin typeface="Cambria Math" panose="02040503050406030204" pitchFamily="18" charset="0"/>
                             </a:rPr>
                           </m:ctrlPr>
                         </m:fPr>
@@ -12780,7 +12561,7 @@
                         <m:sSupPr>
                           <m:ctrlPr>
                             <a:rPr lang="ru-RU" sz="2400" i="1">
-                              <a:latin typeface="Cambria Math"/>
+                              <a:latin typeface="Cambria Math" panose="02040503050406030204" pitchFamily="18" charset="0"/>
                             </a:rPr>
                           </m:ctrlPr>
                         </m:sSupPr>
@@ -12789,7 +12570,7 @@
                             <m:fPr>
                               <m:ctrlPr>
                                 <a:rPr lang="en-US" sz="2400" i="1">
-                                  <a:latin typeface="Cambria Math"/>
+                                  <a:latin typeface="Cambria Math" panose="02040503050406030204" pitchFamily="18" charset="0"/>
                                 </a:rPr>
                               </m:ctrlPr>
                             </m:fPr>
@@ -12836,7 +12617,7 @@
                             <m:dPr>
                               <m:ctrlPr>
                                 <a:rPr lang="ru-RU" sz="2400" i="1">
-                                  <a:latin typeface="Cambria Math"/>
+                                  <a:latin typeface="Cambria Math" panose="02040503050406030204" pitchFamily="18" charset="0"/>
                                 </a:rPr>
                               </m:ctrlPr>
                             </m:dPr>
@@ -12845,7 +12626,7 @@
                                 <m:fPr>
                                   <m:ctrlPr>
                                     <a:rPr lang="ru-RU" sz="2400" i="1">
-                                      <a:latin typeface="Cambria Math"/>
+                                      <a:latin typeface="Cambria Math" panose="02040503050406030204" pitchFamily="18" charset="0"/>
                                     </a:rPr>
                                   </m:ctrlPr>
                                 </m:fPr>
@@ -12891,7 +12672,7 @@
                         <m:fPr>
                           <m:ctrlPr>
                             <a:rPr lang="en-US" sz="2400" i="1" smtClean="0">
-                              <a:latin typeface="Cambria Math"/>
+                              <a:latin typeface="Cambria Math" panose="02040503050406030204" pitchFamily="18" charset="0"/>
                             </a:rPr>
                           </m:ctrlPr>
                         </m:fPr>
@@ -12930,7 +12711,7 @@
                         <m:sSupPr>
                           <m:ctrlPr>
                             <a:rPr lang="ru-RU" sz="2400" b="0" i="1" smtClean="0">
-                              <a:latin typeface="Cambria Math"/>
+                              <a:latin typeface="Cambria Math" panose="02040503050406030204" pitchFamily="18" charset="0"/>
                               <a:ea typeface="Cambria Math"/>
                             </a:rPr>
                           </m:ctrlPr>
@@ -13530,7 +13311,7 @@
                         <m:sSupPr>
                           <m:ctrlPr>
                             <a:rPr lang="ru-RU" sz="2400" i="1" smtClean="0">
-                              <a:latin typeface="Cambria Math"/>
+                              <a:latin typeface="Cambria Math" panose="02040503050406030204" pitchFamily="18" charset="0"/>
                             </a:rPr>
                           </m:ctrlPr>
                         </m:sSupPr>
@@ -13539,7 +13320,7 @@
                             <m:dPr>
                               <m:ctrlPr>
                                 <a:rPr lang="ru-RU" sz="2400" i="1">
-                                  <a:latin typeface="Cambria Math"/>
+                                  <a:latin typeface="Cambria Math" panose="02040503050406030204" pitchFamily="18" charset="0"/>
                                 </a:rPr>
                               </m:ctrlPr>
                             </m:dPr>
@@ -13548,7 +13329,7 @@
                                 <m:fPr>
                                   <m:ctrlPr>
                                     <a:rPr lang="ru-RU" sz="2400" i="1">
-                                      <a:latin typeface="Cambria Math"/>
+                                      <a:latin typeface="Cambria Math" panose="02040503050406030204" pitchFamily="18" charset="0"/>
                                     </a:rPr>
                                   </m:ctrlPr>
                                 </m:fPr>
@@ -13601,7 +13382,7 @@
                         <m:sSupPr>
                           <m:ctrlPr>
                             <a:rPr lang="ru-RU" sz="2400" i="1">
-                              <a:latin typeface="Cambria Math"/>
+                              <a:latin typeface="Cambria Math" panose="02040503050406030204" pitchFamily="18" charset="0"/>
                             </a:rPr>
                           </m:ctrlPr>
                         </m:sSupPr>
@@ -13610,7 +13391,7 @@
                             <m:dPr>
                               <m:ctrlPr>
                                 <a:rPr lang="ru-RU" sz="2400" i="1">
-                                  <a:latin typeface="Cambria Math"/>
+                                  <a:latin typeface="Cambria Math" panose="02040503050406030204" pitchFamily="18" charset="0"/>
                                 </a:rPr>
                               </m:ctrlPr>
                             </m:dPr>
@@ -13619,7 +13400,7 @@
                                 <m:fPr>
                                   <m:ctrlPr>
                                     <a:rPr lang="ru-RU" sz="2400" i="1">
-                                      <a:latin typeface="Cambria Math"/>
+                                      <a:latin typeface="Cambria Math" panose="02040503050406030204" pitchFamily="18" charset="0"/>
                                     </a:rPr>
                                   </m:ctrlPr>
                                 </m:fPr>
@@ -13670,7 +13451,7 @@
                         <m:fPr>
                           <m:ctrlPr>
                             <a:rPr lang="en-US" sz="2400" i="1">
-                              <a:latin typeface="Cambria Math"/>
+                              <a:latin typeface="Cambria Math" panose="02040503050406030204" pitchFamily="18" charset="0"/>
                             </a:rPr>
                           </m:ctrlPr>
                         </m:fPr>
@@ -13715,7 +13496,7 @@
                             <m:sSubPr>
                               <m:ctrlPr>
                                 <a:rPr lang="ru-RU" sz="2400" b="0" i="1" smtClean="0">
-                                  <a:latin typeface="Cambria Math"/>
+                                  <a:latin typeface="Cambria Math" panose="02040503050406030204" pitchFamily="18" charset="0"/>
                                   <a:ea typeface="Cambria Math"/>
                                 </a:rPr>
                               </m:ctrlPr>
@@ -14646,8 +14427,8 @@
           </a:p>
         </p:txBody>
       </p:sp>
-      <mc:AlternateContent xmlns:mc="http://schemas.openxmlformats.org/markup-compatibility/2006">
-        <mc:Choice xmlns:a14="http://schemas.microsoft.com/office/drawing/2010/main" Requires="a14">
+      <mc:AlternateContent xmlns:mc="http://schemas.openxmlformats.org/markup-compatibility/2006" xmlns:a14="http://schemas.microsoft.com/office/drawing/2010/main">
+        <mc:Choice Requires="a14">
           <p:sp>
             <p:nvSpPr>
               <p:cNvPr id="2" name="TextBox 1"/>
@@ -14670,6 +14451,7 @@
               </a:bodyPr>
               <a:lstStyle/>
               <a:p>
+                <a:pPr/>
                 <a14:m>
                   <m:oMathPara xmlns:m="http://schemas.openxmlformats.org/officeDocument/2006/math">
                     <m:oMathParaPr>
@@ -14698,7 +14480,7 @@
             </p:txBody>
           </p:sp>
         </mc:Choice>
-        <mc:Fallback>
+        <mc:Fallback xmlns="">
           <p:sp>
             <p:nvSpPr>
               <p:cNvPr id="2" name="TextBox 1"/>
@@ -15784,7 +15566,7 @@
                         <m:sSubPr>
                           <m:ctrlPr>
                             <a:rPr lang="en-US" sz="2000" b="0" i="1" smtClean="0">
-                              <a:latin typeface="Cambria Math"/>
+                              <a:latin typeface="Cambria Math" panose="02040503050406030204" pitchFamily="18" charset="0"/>
                             </a:rPr>
                           </m:ctrlPr>
                         </m:sSubPr>
@@ -15833,7 +15615,7 @@
                         <m:fPr>
                           <m:ctrlPr>
                             <a:rPr lang="en-US" sz="2000" b="0" i="1" smtClean="0">
-                              <a:latin typeface="Cambria Math"/>
+                              <a:latin typeface="Cambria Math" panose="02040503050406030204" pitchFamily="18" charset="0"/>
                             </a:rPr>
                           </m:ctrlPr>
                         </m:fPr>
@@ -15842,7 +15624,7 @@
                             <m:sSubPr>
                               <m:ctrlPr>
                                 <a:rPr lang="en-US" sz="2000" b="0" i="1" smtClean="0">
-                                  <a:latin typeface="Cambria Math"/>
+                                  <a:latin typeface="Cambria Math" panose="02040503050406030204" pitchFamily="18" charset="0"/>
                                 </a:rPr>
                               </m:ctrlPr>
                             </m:sSubPr>
@@ -15899,7 +15681,7 @@
                             <m:sSubPr>
                               <m:ctrlPr>
                                 <a:rPr lang="en-US" sz="2000" b="0" i="1" smtClean="0">
-                                  <a:latin typeface="Cambria Math"/>
+                                  <a:latin typeface="Cambria Math" panose="02040503050406030204" pitchFamily="18" charset="0"/>
                                 </a:rPr>
                               </m:ctrlPr>
                             </m:sSubPr>
@@ -16029,7 +15811,7 @@
                       <m:fPr>
                         <m:ctrlPr>
                           <a:rPr lang="en-US" sz="2000" b="0" i="1" smtClean="0">
-                            <a:latin typeface="Cambria Math"/>
+                            <a:latin typeface="Cambria Math" panose="02040503050406030204" pitchFamily="18" charset="0"/>
                           </a:rPr>
                         </m:ctrlPr>
                       </m:fPr>
@@ -16038,7 +15820,7 @@
                           <m:sSubPr>
                             <m:ctrlPr>
                               <a:rPr lang="en-US" sz="2000" b="0" i="1" smtClean="0">
-                                <a:latin typeface="Cambria Math"/>
+                                <a:latin typeface="Cambria Math" panose="02040503050406030204" pitchFamily="18" charset="0"/>
                               </a:rPr>
                             </m:ctrlPr>
                           </m:sSubPr>
@@ -16083,7 +15865,7 @@
                           <m:sSubPr>
                             <m:ctrlPr>
                               <a:rPr lang="en-US" sz="2000" i="1">
-                                <a:latin typeface="Cambria Math"/>
+                                <a:latin typeface="Cambria Math" panose="02040503050406030204" pitchFamily="18" charset="0"/>
                               </a:rPr>
                             </m:ctrlPr>
                           </m:sSubPr>
@@ -16276,7 +16058,7 @@
                       <m:sSubPr>
                         <m:ctrlPr>
                           <a:rPr lang="en-US" sz="2800" i="1">
-                            <a:latin typeface="Cambria Math"/>
+                            <a:latin typeface="Cambria Math" panose="02040503050406030204" pitchFamily="18" charset="0"/>
                           </a:rPr>
                         </m:ctrlPr>
                       </m:sSubPr>
@@ -16325,7 +16107,7 @@
                       <m:fPr>
                         <m:ctrlPr>
                           <a:rPr lang="en-US" sz="2800" b="0" i="1" smtClean="0">
-                            <a:latin typeface="Cambria Math"/>
+                            <a:latin typeface="Cambria Math" panose="02040503050406030204" pitchFamily="18" charset="0"/>
                           </a:rPr>
                         </m:ctrlPr>
                       </m:fPr>
@@ -16334,7 +16116,7 @@
                           <m:sSubPr>
                             <m:ctrlPr>
                               <a:rPr lang="en-US" sz="2800" b="0" i="1" smtClean="0">
-                                <a:latin typeface="Cambria Math"/>
+                                <a:latin typeface="Cambria Math" panose="02040503050406030204" pitchFamily="18" charset="0"/>
                               </a:rPr>
                             </m:ctrlPr>
                           </m:sSubPr>
@@ -16361,7 +16143,7 @@
                           <m:sSubPr>
                             <m:ctrlPr>
                               <a:rPr lang="en-US" sz="2800" b="0" i="1" smtClean="0">
-                                <a:latin typeface="Cambria Math"/>
+                                <a:latin typeface="Cambria Math" panose="02040503050406030204" pitchFamily="18" charset="0"/>
                               </a:rPr>
                             </m:ctrlPr>
                           </m:sSubPr>
@@ -16406,7 +16188,7 @@
                       <m:sSubPr>
                         <m:ctrlPr>
                           <a:rPr lang="en-US" sz="2800" b="0" i="1" smtClean="0">
-                            <a:latin typeface="Cambria Math"/>
+                            <a:latin typeface="Cambria Math" panose="02040503050406030204" pitchFamily="18" charset="0"/>
                           </a:rPr>
                         </m:ctrlPr>
                       </m:sSubPr>
@@ -17536,7 +17318,7 @@
                         <m:sSubPr>
                           <m:ctrlPr>
                             <a:rPr lang="en-US" i="1" smtClean="0">
-                              <a:latin typeface="Cambria Math"/>
+                              <a:latin typeface="Cambria Math" panose="02040503050406030204" pitchFamily="18" charset="0"/>
                             </a:rPr>
                           </m:ctrlPr>
                         </m:sSubPr>
@@ -17585,7 +17367,7 @@
                         <m:sSubPr>
                           <m:ctrlPr>
                             <a:rPr lang="en-US" i="1">
-                              <a:latin typeface="Cambria Math"/>
+                              <a:latin typeface="Cambria Math" panose="02040503050406030204" pitchFamily="18" charset="0"/>
                             </a:rPr>
                           </m:ctrlPr>
                         </m:sSubPr>
@@ -18512,7 +18294,7 @@
                           <m:type m:val="lin"/>
                           <m:ctrlPr>
                             <a:rPr lang="en-US" b="0" i="1" smtClean="0">
-                              <a:latin typeface="Cambria Math"/>
+                              <a:latin typeface="Cambria Math" panose="02040503050406030204" pitchFamily="18" charset="0"/>
                               <a:ea typeface="Cambria Math"/>
                             </a:rPr>
                           </m:ctrlPr>
@@ -18522,7 +18304,7 @@
                             <m:sSubPr>
                               <m:ctrlPr>
                                 <a:rPr lang="en-US" b="0" i="1" smtClean="0">
-                                  <a:latin typeface="Cambria Math"/>
+                                  <a:latin typeface="Cambria Math" panose="02040503050406030204" pitchFamily="18" charset="0"/>
                                   <a:ea typeface="Cambria Math"/>
                                 </a:rPr>
                               </m:ctrlPr>
@@ -18573,7 +18355,7 @@
                             <m:sSubPr>
                               <m:ctrlPr>
                                 <a:rPr lang="en-US" b="0" i="1" smtClean="0">
-                                  <a:latin typeface="Cambria Math"/>
+                                  <a:latin typeface="Cambria Math" panose="02040503050406030204" pitchFamily="18" charset="0"/>
                                   <a:ea typeface="Cambria Math"/>
                                 </a:rPr>
                               </m:ctrlPr>
@@ -18611,7 +18393,7 @@
                           <m:type m:val="lin"/>
                           <m:ctrlPr>
                             <a:rPr lang="en-US" i="1">
-                              <a:latin typeface="Cambria Math"/>
+                              <a:latin typeface="Cambria Math" panose="02040503050406030204" pitchFamily="18" charset="0"/>
                               <a:ea typeface="Cambria Math"/>
                             </a:rPr>
                           </m:ctrlPr>
@@ -18621,7 +18403,7 @@
                             <m:sSubPr>
                               <m:ctrlPr>
                                 <a:rPr lang="en-US" i="1">
-                                  <a:latin typeface="Cambria Math"/>
+                                  <a:latin typeface="Cambria Math" panose="02040503050406030204" pitchFamily="18" charset="0"/>
                                   <a:ea typeface="Cambria Math"/>
                                 </a:rPr>
                               </m:ctrlPr>
@@ -18672,7 +18454,7 @@
                             <m:sSubPr>
                               <m:ctrlPr>
                                 <a:rPr lang="en-US" i="1">
-                                  <a:latin typeface="Cambria Math"/>
+                                  <a:latin typeface="Cambria Math" panose="02040503050406030204" pitchFamily="18" charset="0"/>
                                   <a:ea typeface="Cambria Math"/>
                                 </a:rPr>
                               </m:ctrlPr>
@@ -19242,7 +19024,7 @@
                           <m:type m:val="lin"/>
                           <m:ctrlPr>
                             <a:rPr lang="en-US" b="0" i="1" smtClean="0">
-                              <a:latin typeface="Cambria Math"/>
+                              <a:latin typeface="Cambria Math" panose="02040503050406030204" pitchFamily="18" charset="0"/>
                               <a:ea typeface="Cambria Math"/>
                             </a:rPr>
                           </m:ctrlPr>
@@ -19252,7 +19034,7 @@
                             <m:sSubPr>
                               <m:ctrlPr>
                                 <a:rPr lang="en-US" b="0" i="1" smtClean="0">
-                                  <a:latin typeface="Cambria Math"/>
+                                  <a:latin typeface="Cambria Math" panose="02040503050406030204" pitchFamily="18" charset="0"/>
                                   <a:ea typeface="Cambria Math"/>
                                 </a:rPr>
                               </m:ctrlPr>
@@ -19303,7 +19085,7 @@
                             <m:sSubPr>
                               <m:ctrlPr>
                                 <a:rPr lang="en-US" b="0" i="1" smtClean="0">
-                                  <a:latin typeface="Cambria Math"/>
+                                  <a:latin typeface="Cambria Math" panose="02040503050406030204" pitchFamily="18" charset="0"/>
                                   <a:ea typeface="Cambria Math"/>
                                 </a:rPr>
                               </m:ctrlPr>
@@ -19348,7 +19130,7 @@
                           <m:type m:val="lin"/>
                           <m:ctrlPr>
                             <a:rPr lang="en-US" i="1">
-                              <a:latin typeface="Cambria Math"/>
+                              <a:latin typeface="Cambria Math" panose="02040503050406030204" pitchFamily="18" charset="0"/>
                               <a:ea typeface="Cambria Math"/>
                             </a:rPr>
                           </m:ctrlPr>
@@ -19358,7 +19140,7 @@
                             <m:sSubPr>
                               <m:ctrlPr>
                                 <a:rPr lang="en-US" i="1">
-                                  <a:latin typeface="Cambria Math"/>
+                                  <a:latin typeface="Cambria Math" panose="02040503050406030204" pitchFamily="18" charset="0"/>
                                   <a:ea typeface="Cambria Math"/>
                                 </a:rPr>
                               </m:ctrlPr>
@@ -19409,7 +19191,7 @@
                             <m:sSubPr>
                               <m:ctrlPr>
                                 <a:rPr lang="en-US" i="1">
-                                  <a:latin typeface="Cambria Math"/>
+                                  <a:latin typeface="Cambria Math" panose="02040503050406030204" pitchFamily="18" charset="0"/>
                                   <a:ea typeface="Cambria Math"/>
                                 </a:rPr>
                               </m:ctrlPr>
@@ -22086,7 +21868,7 @@
                           <m:chr m:val="∑"/>
                           <m:ctrlPr>
                             <a:rPr lang="en-US" b="0" i="1" smtClean="0">
-                              <a:latin typeface="Cambria Math"/>
+                              <a:latin typeface="Cambria Math" panose="02040503050406030204" pitchFamily="18" charset="0"/>
                             </a:rPr>
                           </m:ctrlPr>
                         </m:naryPr>
@@ -22120,7 +21902,7 @@
                             <m:sSubPr>
                               <m:ctrlPr>
                                 <a:rPr lang="en-US" i="1">
-                                  <a:latin typeface="Cambria Math"/>
+                                  <a:latin typeface="Cambria Math" panose="02040503050406030204" pitchFamily="18" charset="0"/>
                                 </a:rPr>
                               </m:ctrlPr>
                             </m:sSubPr>
@@ -22145,7 +21927,7 @@
                             <m:dPr>
                               <m:ctrlPr>
                                 <a:rPr lang="en-US" i="1">
-                                  <a:latin typeface="Cambria Math"/>
+                                  <a:latin typeface="Cambria Math" panose="02040503050406030204" pitchFamily="18" charset="0"/>
                                 </a:rPr>
                               </m:ctrlPr>
                             </m:dPr>
@@ -22154,7 +21936,7 @@
                                 <m:sSubPr>
                                   <m:ctrlPr>
                                     <a:rPr lang="en-US" i="1">
-                                      <a:latin typeface="Cambria Math"/>
+                                      <a:latin typeface="Cambria Math" panose="02040503050406030204" pitchFamily="18" charset="0"/>
                                     </a:rPr>
                                   </m:ctrlPr>
                                 </m:sSubPr>
@@ -22187,7 +21969,7 @@
                             <m:sSubPr>
                               <m:ctrlPr>
                                 <a:rPr lang="en-US" i="1">
-                                  <a:latin typeface="Cambria Math"/>
+                                  <a:latin typeface="Cambria Math" panose="02040503050406030204" pitchFamily="18" charset="0"/>
                                 </a:rPr>
                               </m:ctrlPr>
                             </m:sSubPr>
@@ -22230,7 +22012,7 @@
                             <m:dPr>
                               <m:ctrlPr>
                                 <a:rPr lang="en-US" i="1">
-                                  <a:latin typeface="Cambria Math"/>
+                                  <a:latin typeface="Cambria Math" panose="02040503050406030204" pitchFamily="18" charset="0"/>
                                 </a:rPr>
                               </m:ctrlPr>
                             </m:dPr>
@@ -22239,7 +22021,7 @@
                                 <m:sSubPr>
                                   <m:ctrlPr>
                                     <a:rPr lang="en-US" i="1">
-                                      <a:latin typeface="Cambria Math"/>
+                                      <a:latin typeface="Cambria Math" panose="02040503050406030204" pitchFamily="18" charset="0"/>
                                     </a:rPr>
                                   </m:ctrlPr>
                                 </m:sSubPr>
@@ -22270,7 +22052,7 @@
                                 <m:sSubPr>
                                   <m:ctrlPr>
                                     <a:rPr lang="en-US" i="1">
-                                      <a:latin typeface="Cambria Math"/>
+                                      <a:latin typeface="Cambria Math" panose="02040503050406030204" pitchFamily="18" charset="0"/>
                                     </a:rPr>
                                   </m:ctrlPr>
                                 </m:sSubPr>
@@ -22301,7 +22083,7 @@
                                 <m:sSubPr>
                                   <m:ctrlPr>
                                     <a:rPr lang="en-US" i="1">
-                                      <a:latin typeface="Cambria Math"/>
+                                      <a:latin typeface="Cambria Math" panose="02040503050406030204" pitchFamily="18" charset="0"/>
                                     </a:rPr>
                                   </m:ctrlPr>
                                 </m:sSubPr>
@@ -22332,7 +22114,7 @@
                                 <m:sSubPr>
                                   <m:ctrlPr>
                                     <a:rPr lang="en-US" i="1">
-                                      <a:latin typeface="Cambria Math"/>
+                                      <a:latin typeface="Cambria Math" panose="02040503050406030204" pitchFamily="18" charset="0"/>
                                     </a:rPr>
                                   </m:ctrlPr>
                                 </m:sSubPr>
@@ -22554,7 +22336,7 @@
                         <m:sSubPr>
                           <m:ctrlPr>
                             <a:rPr lang="en-US" sz="2400" i="1">
-                              <a:latin typeface="Cambria Math"/>
+                              <a:latin typeface="Cambria Math" panose="02040503050406030204" pitchFamily="18" charset="0"/>
                             </a:rPr>
                           </m:ctrlPr>
                         </m:sSubPr>
@@ -22579,7 +22361,7 @@
                         <m:dPr>
                           <m:ctrlPr>
                             <a:rPr lang="en-US" sz="2400" i="1">
-                              <a:latin typeface="Cambria Math"/>
+                              <a:latin typeface="Cambria Math" panose="02040503050406030204" pitchFamily="18" charset="0"/>
                             </a:rPr>
                           </m:ctrlPr>
                         </m:dPr>
@@ -22588,7 +22370,7 @@
                             <m:sSubPr>
                               <m:ctrlPr>
                                 <a:rPr lang="en-US" sz="2400" i="1">
-                                  <a:latin typeface="Cambria Math"/>
+                                  <a:latin typeface="Cambria Math" panose="02040503050406030204" pitchFamily="18" charset="0"/>
                                 </a:rPr>
                               </m:ctrlPr>
                             </m:sSubPr>
@@ -22990,7 +22772,7 @@
                         <m:fPr>
                           <m:ctrlPr>
                             <a:rPr lang="ru-RU" i="1" smtClean="0">
-                              <a:latin typeface="Cambria Math"/>
+                              <a:latin typeface="Cambria Math" panose="02040503050406030204" pitchFamily="18" charset="0"/>
                             </a:rPr>
                           </m:ctrlPr>
                         </m:fPr>
@@ -22999,7 +22781,7 @@
                             <m:sSubPr>
                               <m:ctrlPr>
                                 <a:rPr lang="ru-RU" i="1">
-                                  <a:latin typeface="Cambria Math"/>
+                                  <a:latin typeface="Cambria Math" panose="02040503050406030204" pitchFamily="18" charset="0"/>
                                 </a:rPr>
                               </m:ctrlPr>
                             </m:sSubPr>
@@ -23037,7 +22819,7 @@
                             <m:sSubPr>
                               <m:ctrlPr>
                                 <a:rPr lang="ru-RU" i="1">
-                                  <a:latin typeface="Cambria Math"/>
+                                  <a:latin typeface="Cambria Math" panose="02040503050406030204" pitchFamily="18" charset="0"/>
                                 </a:rPr>
                               </m:ctrlPr>
                             </m:sSubPr>
@@ -23072,7 +22854,7 @@
                             <m:sSubPr>
                               <m:ctrlPr>
                                 <a:rPr lang="ru-RU" i="1">
-                                  <a:latin typeface="Cambria Math"/>
+                                  <a:latin typeface="Cambria Math" panose="02040503050406030204" pitchFamily="18" charset="0"/>
                                 </a:rPr>
                               </m:ctrlPr>
                             </m:sSubPr>
@@ -23580,7 +23362,7 @@
             </a:br>
             <a:r>
               <a:rPr lang="ru-RU" dirty="0" smtClean="0"/>
-              <a:t>Оптимальны пороги</a:t>
+              <a:t>Оптимальные пороги</a:t>
             </a:r>
             <a:endParaRPr lang="ru-RU" dirty="0"/>
           </a:p>
@@ -23705,7 +23487,7 @@
         <p:spPr>
           <a:xfrm>
             <a:off x="323528" y="1280949"/>
-            <a:ext cx="8280920" cy="3416320"/>
+            <a:ext cx="8280920" cy="3139321"/>
           </a:xfrm>
           <a:prstGeom prst="rect">
             <a:avLst/>
@@ -23717,16 +23499,6 @@
             <a:spAutoFit/>
           </a:bodyPr>
           <a:lstStyle/>
-          <a:p>
-            <a:pPr marL="285750" indent="-285750">
-              <a:buFont typeface="Courier New" pitchFamily="49" charset="0"/>
-              <a:buChar char="o"/>
-            </a:pPr>
-            <a:r>
-              <a:rPr lang="ru-RU" dirty="0" smtClean="0"/>
-              <a:t>Разработана оптимальная  модель работы рентгеновского денситометра</a:t>
-            </a:r>
-          </a:p>
           <a:p>
             <a:pPr marL="285750" indent="-285750">
               <a:buFont typeface="Courier New" pitchFamily="49" charset="0"/>
@@ -25374,7 +25146,7 @@
           <a:graphicData uri="http://schemas.openxmlformats.org/presentationml/2006/ole">
             <mc:AlternateContent xmlns:mc="http://schemas.openxmlformats.org/markup-compatibility/2006">
               <mc:Choice xmlns:v="urn:schemas-microsoft-com:vml" Requires="v">
-                <p:oleObj spid="_x0000_s1512" name="Image" r:id="rId4" imgW="18798367" imgH="13332245" progId="Photoshop.Image.6">
+                <p:oleObj spid="_x0000_s1534" name="Image" r:id="rId4" imgW="18798367" imgH="13332245" progId="Photoshop.Image.6">
                   <p:embed/>
                 </p:oleObj>
               </mc:Choice>
@@ -26032,7 +25804,7 @@
           <a:graphicData uri="http://schemas.openxmlformats.org/presentationml/2006/ole">
             <mc:AlternateContent xmlns:mc="http://schemas.openxmlformats.org/markup-compatibility/2006">
               <mc:Choice xmlns:v="urn:schemas-microsoft-com:vml" Requires="v">
-                <p:oleObj spid="_x0000_s2548" name="Image" r:id="rId4" imgW="9227755" imgH="6573061" progId="Photoshop.Image.6">
+                <p:oleObj spid="_x0000_s2570" name="Image" r:id="rId4" imgW="9227755" imgH="6573061" progId="Photoshop.Image.6">
                   <p:embed/>
                 </p:oleObj>
               </mc:Choice>
@@ -26421,7 +26193,7 @@
         <p:spPr>
           <a:xfrm>
             <a:off x="303057" y="4221088"/>
-            <a:ext cx="4388713" cy="1754326"/>
+            <a:ext cx="4388713" cy="2308324"/>
           </a:xfrm>
           <a:prstGeom prst="rect">
             <a:avLst/>
@@ -26497,6 +26269,16 @@
               </a:rPr>
               <a:t>мкм)</a:t>
             </a:r>
+          </a:p>
+          <a:p>
+            <a:r>
+              <a:rPr lang="ru-RU" dirty="0" smtClean="0">
+                <a:solidFill>
+                  <a:srgbClr val="00B050"/>
+                </a:solidFill>
+              </a:rPr>
+              <a:t>Счетный режим</a:t>
+            </a:r>
             <a:endParaRPr lang="en-US" dirty="0" smtClean="0">
               <a:solidFill>
                 <a:srgbClr val="00B050"/>
@@ -26533,7 +26315,7 @@
                   <a:srgbClr val="C00000"/>
                 </a:solidFill>
               </a:rPr>
-              <a:t>- </a:t>
+              <a:t>-</a:t>
             </a:r>
             <a:r>
               <a:rPr lang="ru-RU" dirty="0" smtClean="0">
@@ -26541,17 +26323,40 @@
                   <a:srgbClr val="C00000"/>
                 </a:solidFill>
               </a:rPr>
-              <a:t>Интегрирующий режим</a:t>
-            </a:r>
-          </a:p>
-          <a:p>
+              <a:t> Низкая квантовая эффективность при высоких энергиях (30% при 40 кэВ)</a:t>
+            </a:r>
+          </a:p>
+          <a:p>
+            <a:r>
+              <a:rPr lang="en-US" dirty="0" smtClean="0">
+                <a:solidFill>
+                  <a:srgbClr val="C00000"/>
+                </a:solidFill>
+              </a:rPr>
+              <a:t>FWHM </a:t>
+            </a:r>
             <a:r>
               <a:rPr lang="ru-RU" dirty="0" smtClean="0">
                 <a:solidFill>
                   <a:srgbClr val="C00000"/>
                 </a:solidFill>
               </a:rPr>
-              <a:t>Низкая квантовая эффективность при высоких энергиях (</a:t>
+              <a:t>30% при 40 кэВ</a:t>
+            </a:r>
+            <a:endParaRPr lang="en-US" dirty="0" smtClean="0">
+              <a:solidFill>
+                <a:srgbClr val="C00000"/>
+              </a:solidFill>
+            </a:endParaRPr>
+          </a:p>
+          <a:p>
+            <a:r>
+              <a:rPr lang="ru-RU" dirty="0" smtClean="0">
+                <a:solidFill>
+                  <a:srgbClr val="C00000"/>
+                </a:solidFill>
+              </a:rPr>
+              <a:t>Быстродействие </a:t>
             </a:r>
             <a:r>
               <a:rPr lang="en-US" dirty="0" smtClean="0">
@@ -26559,23 +26364,15 @@
                   <a:srgbClr val="C00000"/>
                 </a:solidFill>
               </a:rPr>
-              <a:t>&gt; 80 </a:t>
-            </a:r>
-            <a:r>
-              <a:rPr lang="en-US" dirty="0" err="1" smtClean="0">
+              <a:t>~ </a:t>
+            </a:r>
+            <a:r>
+              <a:rPr lang="ru-RU" dirty="0" smtClean="0">
                 <a:solidFill>
                   <a:srgbClr val="C00000"/>
                 </a:solidFill>
               </a:rPr>
-              <a:t>keV</a:t>
-            </a:r>
-            <a:r>
-              <a:rPr lang="ru-RU" dirty="0" smtClean="0">
-                <a:solidFill>
-                  <a:srgbClr val="C00000"/>
-                </a:solidFill>
-              </a:rPr>
-              <a:t>)</a:t>
+              <a:t>500 кГц</a:t>
             </a:r>
             <a:endParaRPr lang="ru-RU" dirty="0">
               <a:solidFill>
@@ -26797,7 +26594,7 @@
                   <a:srgbClr val="C00000"/>
                 </a:solidFill>
               </a:rPr>
-              <a:t>мм)</a:t>
+              <a:t>мм) (технологическая проблема)</a:t>
             </a:r>
             <a:endParaRPr lang="ru-RU" dirty="0">
               <a:solidFill>
@@ -26941,7 +26738,7 @@
         <p:spPr>
           <a:xfrm>
             <a:off x="4739451" y="1988840"/>
-            <a:ext cx="4388713" cy="2308324"/>
+            <a:ext cx="4388713" cy="2862322"/>
           </a:xfrm>
           <a:prstGeom prst="rect">
             <a:avLst/>
@@ -27131,38 +26928,7 @@
                   <a:srgbClr val="C00000"/>
                 </a:solidFill>
               </a:rPr>
-              <a:t> Слабый сигнал -</a:t>
-            </a:r>
-            <a:r>
-              <a:rPr lang="en-US" dirty="0" smtClean="0">
-                <a:solidFill>
-                  <a:srgbClr val="C00000"/>
-                </a:solidFill>
-              </a:rPr>
-              <a:t>&gt; </a:t>
-            </a:r>
-            <a:r>
-              <a:rPr lang="ru-RU" dirty="0" smtClean="0">
-                <a:solidFill>
-                  <a:srgbClr val="C00000"/>
-                </a:solidFill>
-              </a:rPr>
-              <a:t>сложная электроника</a:t>
-            </a:r>
-            <a:br>
-              <a:rPr lang="ru-RU" dirty="0" smtClean="0">
-                <a:solidFill>
-                  <a:srgbClr val="C00000"/>
-                </a:solidFill>
-              </a:rPr>
-            </a:br>
-            <a:r>
-              <a:rPr lang="ru-RU" dirty="0" smtClean="0">
-                <a:solidFill>
-                  <a:srgbClr val="C00000"/>
-                </a:solidFill>
-              </a:rPr>
-              <a:t>Время сбора носителей </a:t>
+              <a:t> Время сбора носителей </a:t>
             </a:r>
             <a:r>
               <a:rPr lang="en-US" dirty="0" smtClean="0">
@@ -27179,6 +26945,55 @@
                 </a:solidFill>
               </a:rPr>
               <a:t>мкс</a:t>
+            </a:r>
+            <a:endParaRPr lang="ru-RU" dirty="0" smtClean="0">
+              <a:solidFill>
+                <a:srgbClr val="C00000"/>
+              </a:solidFill>
+            </a:endParaRPr>
+          </a:p>
+          <a:p>
+            <a:r>
+              <a:rPr lang="ru-RU" dirty="0" smtClean="0">
+                <a:solidFill>
+                  <a:srgbClr val="C00000"/>
+                </a:solidFill>
+              </a:rPr>
+              <a:t>Технологические сложности:</a:t>
+            </a:r>
+          </a:p>
+          <a:p>
+            <a:r>
+              <a:rPr lang="ru-RU" dirty="0" smtClean="0">
+                <a:solidFill>
+                  <a:srgbClr val="C00000"/>
+                </a:solidFill>
+              </a:rPr>
+              <a:t>контакты, гибридная электроника, </a:t>
+            </a:r>
+            <a:r>
+              <a:rPr lang="ru-RU" dirty="0" smtClean="0">
+                <a:solidFill>
+                  <a:srgbClr val="C00000"/>
+                </a:solidFill>
+              </a:rPr>
+              <a:t>дефекты</a:t>
+            </a:r>
+            <a:r>
+              <a:rPr lang="en-US" dirty="0" smtClean="0">
+                <a:solidFill>
+                  <a:srgbClr val="C00000"/>
+                </a:solidFill>
+              </a:rPr>
+              <a:t> </a:t>
+            </a:r>
+            <a:r>
+              <a:rPr lang="ru-RU" dirty="0" smtClean="0">
+                <a:solidFill>
+                  <a:srgbClr val="C00000"/>
+                </a:solidFill>
+              </a:rPr>
+              <a:t>кристалла</a:t>
             </a:r>
             <a:endParaRPr lang="ru-RU" dirty="0">
               <a:solidFill>
@@ -27484,7 +27299,7 @@
                           <m:chr m:val="∑"/>
                           <m:ctrlPr>
                             <a:rPr lang="en-US" b="0" i="1" smtClean="0">
-                              <a:latin typeface="Cambria Math"/>
+                              <a:latin typeface="Cambria Math" panose="02040503050406030204" pitchFamily="18" charset="0"/>
                             </a:rPr>
                           </m:ctrlPr>
                         </m:naryPr>
@@ -27518,7 +27333,7 @@
                             <m:sSubPr>
                               <m:ctrlPr>
                                 <a:rPr lang="en-US" b="0" i="1" smtClean="0">
-                                  <a:latin typeface="Cambria Math"/>
+                                  <a:latin typeface="Cambria Math" panose="02040503050406030204" pitchFamily="18" charset="0"/>
                                 </a:rPr>
                               </m:ctrlPr>
                             </m:sSubPr>
@@ -27631,7 +27446,7 @@
                           <m:endChr m:val="]"/>
                           <m:ctrlPr>
                             <a:rPr lang="en-US" b="0" i="1" smtClean="0">
-                              <a:latin typeface="Cambria Math"/>
+                              <a:latin typeface="Cambria Math" panose="02040503050406030204" pitchFamily="18" charset="0"/>
                             </a:rPr>
                           </m:ctrlPr>
                         </m:dPr>
@@ -27662,7 +27477,7 @@
                           <m:endChr m:val="]"/>
                           <m:ctrlPr>
                             <a:rPr lang="en-US" b="0" i="1" smtClean="0">
-                              <a:latin typeface="Cambria Math"/>
+                              <a:latin typeface="Cambria Math" panose="02040503050406030204" pitchFamily="18" charset="0"/>
                             </a:rPr>
                           </m:ctrlPr>
                         </m:dPr>
@@ -27830,7 +27645,7 @@
                           <m:endChr m:val="]"/>
                           <m:ctrlPr>
                             <a:rPr lang="en-US" b="0" i="1" smtClean="0">
-                              <a:latin typeface="Cambria Math"/>
+                              <a:latin typeface="Cambria Math" panose="02040503050406030204" pitchFamily="18" charset="0"/>
                             </a:rPr>
                           </m:ctrlPr>
                         </m:dPr>
@@ -27861,7 +27676,7 @@
                           <m:endChr m:val="]"/>
                           <m:ctrlPr>
                             <a:rPr lang="en-US" b="0" i="1" smtClean="0">
-                              <a:latin typeface="Cambria Math"/>
+                              <a:latin typeface="Cambria Math" panose="02040503050406030204" pitchFamily="18" charset="0"/>
                             </a:rPr>
                           </m:ctrlPr>
                         </m:dPr>
@@ -27884,7 +27699,7 @@
                         <m:sSupPr>
                           <m:ctrlPr>
                             <a:rPr lang="en-US" b="0" i="1" smtClean="0">
-                              <a:latin typeface="Cambria Math"/>
+                              <a:latin typeface="Cambria Math" panose="02040503050406030204" pitchFamily="18" charset="0"/>
                             </a:rPr>
                           </m:ctrlPr>
                         </m:sSupPr>
@@ -27901,7 +27716,7 @@
                               <m:endChr m:val="]"/>
                               <m:ctrlPr>
                                 <a:rPr lang="en-US" b="0" i="1" smtClean="0">
-                                  <a:latin typeface="Cambria Math"/>
+                                  <a:latin typeface="Cambria Math" panose="02040503050406030204" pitchFamily="18" charset="0"/>
                                 </a:rPr>
                               </m:ctrlPr>
                             </m:dPr>
@@ -27942,7 +27757,7 @@
                           <m:endChr m:val="]"/>
                           <m:ctrlPr>
                             <a:rPr lang="en-US" b="0" i="1" smtClean="0">
-                              <a:latin typeface="Cambria Math"/>
+                              <a:latin typeface="Cambria Math" panose="02040503050406030204" pitchFamily="18" charset="0"/>
                             </a:rPr>
                           </m:ctrlPr>
                         </m:dPr>
@@ -27965,7 +27780,7 @@
                         <m:sSupPr>
                           <m:ctrlPr>
                             <a:rPr lang="en-US" i="1">
-                              <a:latin typeface="Cambria Math"/>
+                              <a:latin typeface="Cambria Math" panose="02040503050406030204" pitchFamily="18" charset="0"/>
                             </a:rPr>
                           </m:ctrlPr>
                         </m:sSupPr>
@@ -27982,7 +27797,7 @@
                               <m:endChr m:val="]"/>
                               <m:ctrlPr>
                                 <a:rPr lang="en-US" i="1">
-                                  <a:latin typeface="Cambria Math"/>
+                                  <a:latin typeface="Cambria Math" panose="02040503050406030204" pitchFamily="18" charset="0"/>
                                 </a:rPr>
                               </m:ctrlPr>
                             </m:dPr>
@@ -28262,7 +28077,7 @@
                           <m:chr m:val="∑"/>
                           <m:ctrlPr>
                             <a:rPr lang="en-US" b="0" i="1" smtClean="0">
-                              <a:latin typeface="Cambria Math"/>
+                              <a:latin typeface="Cambria Math" panose="02040503050406030204" pitchFamily="18" charset="0"/>
                             </a:rPr>
                           </m:ctrlPr>
                         </m:naryPr>
@@ -28296,7 +28111,7 @@
                             <m:sSubPr>
                               <m:ctrlPr>
                                 <a:rPr lang="en-US" b="0" i="1" smtClean="0">
-                                  <a:latin typeface="Cambria Math"/>
+                                  <a:latin typeface="Cambria Math" panose="02040503050406030204" pitchFamily="18" charset="0"/>
                                 </a:rPr>
                               </m:ctrlPr>
                             </m:sSubPr>
@@ -28409,7 +28224,7 @@
                           <m:endChr m:val="]"/>
                           <m:ctrlPr>
                             <a:rPr lang="en-US" b="0" i="1" smtClean="0">
-                              <a:latin typeface="Cambria Math"/>
+                              <a:latin typeface="Cambria Math" panose="02040503050406030204" pitchFamily="18" charset="0"/>
                             </a:rPr>
                           </m:ctrlPr>
                         </m:dPr>
@@ -28440,7 +28255,7 @@
                           <m:endChr m:val="]"/>
                           <m:ctrlPr>
                             <a:rPr lang="en-US" b="0" i="1" smtClean="0">
-                              <a:latin typeface="Cambria Math"/>
+                              <a:latin typeface="Cambria Math" panose="02040503050406030204" pitchFamily="18" charset="0"/>
                             </a:rPr>
                           </m:ctrlPr>
                         </m:dPr>
@@ -28463,7 +28278,7 @@
                         <m:sSupPr>
                           <m:ctrlPr>
                             <a:rPr lang="en-US" b="0" i="1" smtClean="0">
-                              <a:latin typeface="Cambria Math"/>
+                              <a:latin typeface="Cambria Math" panose="02040503050406030204" pitchFamily="18" charset="0"/>
                             </a:rPr>
                           </m:ctrlPr>
                         </m:sSupPr>
@@ -28480,7 +28295,7 @@
                               <m:endChr m:val="]"/>
                               <m:ctrlPr>
                                 <a:rPr lang="en-US" b="0" i="1" smtClean="0">
-                                  <a:latin typeface="Cambria Math"/>
+                                  <a:latin typeface="Cambria Math" panose="02040503050406030204" pitchFamily="18" charset="0"/>
                                 </a:rPr>
                               </m:ctrlPr>
                             </m:dPr>
@@ -28521,7 +28336,7 @@
                           <m:endChr m:val="]"/>
                           <m:ctrlPr>
                             <a:rPr lang="en-US" b="0" i="1" smtClean="0">
-                              <a:latin typeface="Cambria Math"/>
+                              <a:latin typeface="Cambria Math" panose="02040503050406030204" pitchFamily="18" charset="0"/>
                             </a:rPr>
                           </m:ctrlPr>
                         </m:dPr>
@@ -28544,7 +28359,7 @@
                         <m:sSupPr>
                           <m:ctrlPr>
                             <a:rPr lang="en-US" i="1">
-                              <a:latin typeface="Cambria Math"/>
+                              <a:latin typeface="Cambria Math" panose="02040503050406030204" pitchFamily="18" charset="0"/>
                             </a:rPr>
                           </m:ctrlPr>
                         </m:sSupPr>
@@ -28561,7 +28376,7 @@
                               <m:endChr m:val="]"/>
                               <m:ctrlPr>
                                 <a:rPr lang="en-US" i="1">
-                                  <a:latin typeface="Cambria Math"/>
+                                  <a:latin typeface="Cambria Math" panose="02040503050406030204" pitchFamily="18" charset="0"/>
                                 </a:rPr>
                               </m:ctrlPr>
                             </m:dPr>
@@ -28708,7 +28523,7 @@
                         <m:sSubPr>
                           <m:ctrlPr>
                             <a:rPr lang="en-US" i="1">
-                              <a:latin typeface="Cambria Math"/>
+                              <a:latin typeface="Cambria Math" panose="02040503050406030204" pitchFamily="18" charset="0"/>
                             </a:rPr>
                           </m:ctrlPr>
                         </m:sSubPr>
@@ -28819,7 +28634,7 @@
                           <m:endChr m:val="]"/>
                           <m:ctrlPr>
                             <a:rPr lang="en-US" b="0" i="1" smtClean="0">
-                              <a:latin typeface="Cambria Math"/>
+                              <a:latin typeface="Cambria Math" panose="02040503050406030204" pitchFamily="18" charset="0"/>
                             </a:rPr>
                           </m:ctrlPr>
                         </m:dPr>
@@ -28850,7 +28665,7 @@
                           <m:endChr m:val="]"/>
                           <m:ctrlPr>
                             <a:rPr lang="en-US" b="0" i="1" smtClean="0">
-                              <a:latin typeface="Cambria Math"/>
+                              <a:latin typeface="Cambria Math" panose="02040503050406030204" pitchFamily="18" charset="0"/>
                             </a:rPr>
                           </m:ctrlPr>
                         </m:dPr>
@@ -28991,7 +28806,7 @@
                         <m:sSubPr>
                           <m:ctrlPr>
                             <a:rPr lang="en-US" i="1">
-                              <a:latin typeface="Cambria Math"/>
+                              <a:latin typeface="Cambria Math" panose="02040503050406030204" pitchFamily="18" charset="0"/>
                             </a:rPr>
                           </m:ctrlPr>
                         </m:sSubPr>
@@ -29102,7 +28917,7 @@
                           <m:endChr m:val="]"/>
                           <m:ctrlPr>
                             <a:rPr lang="en-US" b="0" i="1" smtClean="0">
-                              <a:latin typeface="Cambria Math"/>
+                              <a:latin typeface="Cambria Math" panose="02040503050406030204" pitchFamily="18" charset="0"/>
                             </a:rPr>
                           </m:ctrlPr>
                         </m:dPr>
@@ -29133,7 +28948,7 @@
                           <m:endChr m:val="]"/>
                           <m:ctrlPr>
                             <a:rPr lang="en-US" b="0" i="1" smtClean="0">
-                              <a:latin typeface="Cambria Math"/>
+                              <a:latin typeface="Cambria Math" panose="02040503050406030204" pitchFamily="18" charset="0"/>
                             </a:rPr>
                           </m:ctrlPr>
                         </m:dPr>

--- a/March_2015/Oleynikov_.pptx
+++ b/March_2015/Oleynikov_.pptx
@@ -274,7 +274,7 @@
             <a:fld id="{07B53106-B066-4F75-866A-425466E1C25E}" type="datetimeFigureOut">
               <a:rPr lang="ru-RU" smtClean="0"/>
               <a:pPr/>
-              <a:t>10.03.2015</a:t>
+              <a:t>11.03.2015</a:t>
             </a:fld>
             <a:endParaRPr lang="ru-RU" dirty="0"/>
           </a:p>
@@ -1162,7 +1162,7 @@
             <a:fld id="{5B106E36-FD25-4E2D-B0AA-010F637433A0}" type="datetimeFigureOut">
               <a:rPr lang="ru-RU" smtClean="0"/>
               <a:pPr/>
-              <a:t>10.03.2015</a:t>
+              <a:t>11.03.2015</a:t>
             </a:fld>
             <a:endParaRPr lang="ru-RU" dirty="0"/>
           </a:p>
@@ -1329,7 +1329,7 @@
             <a:fld id="{5B106E36-FD25-4E2D-B0AA-010F637433A0}" type="datetimeFigureOut">
               <a:rPr lang="ru-RU" smtClean="0"/>
               <a:pPr/>
-              <a:t>10.03.2015</a:t>
+              <a:t>11.03.2015</a:t>
             </a:fld>
             <a:endParaRPr lang="ru-RU" dirty="0"/>
           </a:p>
@@ -1506,7 +1506,7 @@
             <a:fld id="{5B106E36-FD25-4E2D-B0AA-010F637433A0}" type="datetimeFigureOut">
               <a:rPr lang="ru-RU" smtClean="0"/>
               <a:pPr/>
-              <a:t>10.03.2015</a:t>
+              <a:t>11.03.2015</a:t>
             </a:fld>
             <a:endParaRPr lang="ru-RU" dirty="0"/>
           </a:p>
@@ -1673,7 +1673,7 @@
             <a:fld id="{5B106E36-FD25-4E2D-B0AA-010F637433A0}" type="datetimeFigureOut">
               <a:rPr lang="ru-RU" smtClean="0"/>
               <a:pPr/>
-              <a:t>10.03.2015</a:t>
+              <a:t>11.03.2015</a:t>
             </a:fld>
             <a:endParaRPr lang="ru-RU" dirty="0"/>
           </a:p>
@@ -1916,7 +1916,7 @@
             <a:fld id="{5B106E36-FD25-4E2D-B0AA-010F637433A0}" type="datetimeFigureOut">
               <a:rPr lang="ru-RU" smtClean="0"/>
               <a:pPr/>
-              <a:t>10.03.2015</a:t>
+              <a:t>11.03.2015</a:t>
             </a:fld>
             <a:endParaRPr lang="ru-RU" dirty="0"/>
           </a:p>
@@ -2201,7 +2201,7 @@
             <a:fld id="{5B106E36-FD25-4E2D-B0AA-010F637433A0}" type="datetimeFigureOut">
               <a:rPr lang="ru-RU" smtClean="0"/>
               <a:pPr/>
-              <a:t>10.03.2015</a:t>
+              <a:t>11.03.2015</a:t>
             </a:fld>
             <a:endParaRPr lang="ru-RU" dirty="0"/>
           </a:p>
@@ -2620,7 +2620,7 @@
             <a:fld id="{5B106E36-FD25-4E2D-B0AA-010F637433A0}" type="datetimeFigureOut">
               <a:rPr lang="ru-RU" smtClean="0"/>
               <a:pPr/>
-              <a:t>10.03.2015</a:t>
+              <a:t>11.03.2015</a:t>
             </a:fld>
             <a:endParaRPr lang="ru-RU" dirty="0"/>
           </a:p>
@@ -2735,7 +2735,7 @@
             <a:fld id="{5B106E36-FD25-4E2D-B0AA-010F637433A0}" type="datetimeFigureOut">
               <a:rPr lang="ru-RU" smtClean="0"/>
               <a:pPr/>
-              <a:t>10.03.2015</a:t>
+              <a:t>11.03.2015</a:t>
             </a:fld>
             <a:endParaRPr lang="ru-RU" dirty="0"/>
           </a:p>
@@ -2827,7 +2827,7 @@
             <a:fld id="{5B106E36-FD25-4E2D-B0AA-010F637433A0}" type="datetimeFigureOut">
               <a:rPr lang="ru-RU" smtClean="0"/>
               <a:pPr/>
-              <a:t>10.03.2015</a:t>
+              <a:t>11.03.2015</a:t>
             </a:fld>
             <a:endParaRPr lang="ru-RU" dirty="0"/>
           </a:p>
@@ -3101,7 +3101,7 @@
             <a:fld id="{5B106E36-FD25-4E2D-B0AA-010F637433A0}" type="datetimeFigureOut">
               <a:rPr lang="ru-RU" smtClean="0"/>
               <a:pPr/>
-              <a:t>10.03.2015</a:t>
+              <a:t>11.03.2015</a:t>
             </a:fld>
             <a:endParaRPr lang="ru-RU" dirty="0"/>
           </a:p>
@@ -3351,7 +3351,7 @@
             <a:fld id="{5B106E36-FD25-4E2D-B0AA-010F637433A0}" type="datetimeFigureOut">
               <a:rPr lang="ru-RU" smtClean="0"/>
               <a:pPr/>
-              <a:t>10.03.2015</a:t>
+              <a:t>11.03.2015</a:t>
             </a:fld>
             <a:endParaRPr lang="ru-RU" dirty="0"/>
           </a:p>
@@ -3566,7 +3566,7 @@
             <a:fld id="{5B106E36-FD25-4E2D-B0AA-010F637433A0}" type="datetimeFigureOut">
               <a:rPr lang="ru-RU" smtClean="0"/>
               <a:pPr/>
-              <a:t>10.03.2015</a:t>
+              <a:t>11.03.2015</a:t>
             </a:fld>
             <a:endParaRPr lang="ru-RU" dirty="0"/>
           </a:p>
@@ -25146,7 +25146,7 @@
           <a:graphicData uri="http://schemas.openxmlformats.org/presentationml/2006/ole">
             <mc:AlternateContent xmlns:mc="http://schemas.openxmlformats.org/markup-compatibility/2006">
               <mc:Choice xmlns:v="urn:schemas-microsoft-com:vml" Requires="v">
-                <p:oleObj spid="_x0000_s1534" name="Image" r:id="rId4" imgW="18798367" imgH="13332245" progId="Photoshop.Image.6">
+                <p:oleObj spid="_x0000_s1535" name="Image" r:id="rId4" imgW="18798367" imgH="13332245" progId="Photoshop.Image.6">
                   <p:embed/>
                 </p:oleObj>
               </mc:Choice>
@@ -25804,7 +25804,7 @@
           <a:graphicData uri="http://schemas.openxmlformats.org/presentationml/2006/ole">
             <mc:AlternateContent xmlns:mc="http://schemas.openxmlformats.org/markup-compatibility/2006">
               <mc:Choice xmlns:v="urn:schemas-microsoft-com:vml" Requires="v">
-                <p:oleObj spid="_x0000_s2570" name="Image" r:id="rId4" imgW="9227755" imgH="6573061" progId="Photoshop.Image.6">
+                <p:oleObj spid="_x0000_s2571" name="Image" r:id="rId4" imgW="9227755" imgH="6573061" progId="Photoshop.Image.6">
                   <p:embed/>
                 </p:oleObj>
               </mc:Choice>
@@ -26969,15 +26969,7 @@
                   <a:srgbClr val="C00000"/>
                 </a:solidFill>
               </a:rPr>
-              <a:t>контакты, гибридная электроника, </a:t>
-            </a:r>
-            <a:r>
-              <a:rPr lang="ru-RU" dirty="0" smtClean="0">
-                <a:solidFill>
-                  <a:srgbClr val="C00000"/>
-                </a:solidFill>
-              </a:rPr>
-              <a:t>дефекты</a:t>
+              <a:t>контакты, гибридная электроника, дефекты</a:t>
             </a:r>
             <a:r>
               <a:rPr lang="en-US" dirty="0" smtClean="0">

--- a/March_2015/Oleynikov_.pptx
+++ b/March_2015/Oleynikov_.pptx
@@ -5,7 +5,7 @@
     <p:sldMasterId id="2147483648" r:id="rId1"/>
   </p:sldMasterIdLst>
   <p:notesMasterIdLst>
-    <p:notesMasterId r:id="rId31"/>
+    <p:notesMasterId r:id="rId32"/>
   </p:notesMasterIdLst>
   <p:sldIdLst>
     <p:sldId id="256" r:id="rId2"/>
@@ -37,6 +37,7 @@
     <p:sldId id="310" r:id="rId28"/>
     <p:sldId id="287" r:id="rId29"/>
     <p:sldId id="257" r:id="rId30"/>
+    <p:sldId id="311" r:id="rId31"/>
   </p:sldIdLst>
   <p:sldSz cx="9144000" cy="6858000" type="screen4x3"/>
   <p:notesSz cx="6858000" cy="9144000"/>
@@ -169,7 +170,11 @@
             <p14:sldId id="310"/>
             <p14:sldId id="287"/>
             <p14:sldId id="257"/>
+            <p14:sldId id="311"/>
           </p14:sldIdLst>
+        </p14:section>
+        <p14:section name="Раздел без заголовка" id="{E4406114-FF10-447E-964A-0C15AF418987}">
+          <p14:sldIdLst/>
         </p14:section>
       </p14:sectionLst>
     </p:ext>
@@ -274,7 +279,7 @@
             <a:fld id="{07B53106-B066-4F75-866A-425466E1C25E}" type="datetimeFigureOut">
               <a:rPr lang="ru-RU" smtClean="0"/>
               <a:pPr/>
-              <a:t>11.03.2015</a:t>
+              <a:t>18.03.2015</a:t>
             </a:fld>
             <a:endParaRPr lang="ru-RU" dirty="0"/>
           </a:p>
@@ -1162,7 +1167,7 @@
             <a:fld id="{5B106E36-FD25-4E2D-B0AA-010F637433A0}" type="datetimeFigureOut">
               <a:rPr lang="ru-RU" smtClean="0"/>
               <a:pPr/>
-              <a:t>11.03.2015</a:t>
+              <a:t>18.03.2015</a:t>
             </a:fld>
             <a:endParaRPr lang="ru-RU" dirty="0"/>
           </a:p>
@@ -1329,7 +1334,7 @@
             <a:fld id="{5B106E36-FD25-4E2D-B0AA-010F637433A0}" type="datetimeFigureOut">
               <a:rPr lang="ru-RU" smtClean="0"/>
               <a:pPr/>
-              <a:t>11.03.2015</a:t>
+              <a:t>18.03.2015</a:t>
             </a:fld>
             <a:endParaRPr lang="ru-RU" dirty="0"/>
           </a:p>
@@ -1506,7 +1511,7 @@
             <a:fld id="{5B106E36-FD25-4E2D-B0AA-010F637433A0}" type="datetimeFigureOut">
               <a:rPr lang="ru-RU" smtClean="0"/>
               <a:pPr/>
-              <a:t>11.03.2015</a:t>
+              <a:t>18.03.2015</a:t>
             </a:fld>
             <a:endParaRPr lang="ru-RU" dirty="0"/>
           </a:p>
@@ -1673,7 +1678,7 @@
             <a:fld id="{5B106E36-FD25-4E2D-B0AA-010F637433A0}" type="datetimeFigureOut">
               <a:rPr lang="ru-RU" smtClean="0"/>
               <a:pPr/>
-              <a:t>11.03.2015</a:t>
+              <a:t>18.03.2015</a:t>
             </a:fld>
             <a:endParaRPr lang="ru-RU" dirty="0"/>
           </a:p>
@@ -1916,7 +1921,7 @@
             <a:fld id="{5B106E36-FD25-4E2D-B0AA-010F637433A0}" type="datetimeFigureOut">
               <a:rPr lang="ru-RU" smtClean="0"/>
               <a:pPr/>
-              <a:t>11.03.2015</a:t>
+              <a:t>18.03.2015</a:t>
             </a:fld>
             <a:endParaRPr lang="ru-RU" dirty="0"/>
           </a:p>
@@ -2201,7 +2206,7 @@
             <a:fld id="{5B106E36-FD25-4E2D-B0AA-010F637433A0}" type="datetimeFigureOut">
               <a:rPr lang="ru-RU" smtClean="0"/>
               <a:pPr/>
-              <a:t>11.03.2015</a:t>
+              <a:t>18.03.2015</a:t>
             </a:fld>
             <a:endParaRPr lang="ru-RU" dirty="0"/>
           </a:p>
@@ -2620,7 +2625,7 @@
             <a:fld id="{5B106E36-FD25-4E2D-B0AA-010F637433A0}" type="datetimeFigureOut">
               <a:rPr lang="ru-RU" smtClean="0"/>
               <a:pPr/>
-              <a:t>11.03.2015</a:t>
+              <a:t>18.03.2015</a:t>
             </a:fld>
             <a:endParaRPr lang="ru-RU" dirty="0"/>
           </a:p>
@@ -2735,7 +2740,7 @@
             <a:fld id="{5B106E36-FD25-4E2D-B0AA-010F637433A0}" type="datetimeFigureOut">
               <a:rPr lang="ru-RU" smtClean="0"/>
               <a:pPr/>
-              <a:t>11.03.2015</a:t>
+              <a:t>18.03.2015</a:t>
             </a:fld>
             <a:endParaRPr lang="ru-RU" dirty="0"/>
           </a:p>
@@ -2827,7 +2832,7 @@
             <a:fld id="{5B106E36-FD25-4E2D-B0AA-010F637433A0}" type="datetimeFigureOut">
               <a:rPr lang="ru-RU" smtClean="0"/>
               <a:pPr/>
-              <a:t>11.03.2015</a:t>
+              <a:t>18.03.2015</a:t>
             </a:fld>
             <a:endParaRPr lang="ru-RU" dirty="0"/>
           </a:p>
@@ -3101,7 +3106,7 @@
             <a:fld id="{5B106E36-FD25-4E2D-B0AA-010F637433A0}" type="datetimeFigureOut">
               <a:rPr lang="ru-RU" smtClean="0"/>
               <a:pPr/>
-              <a:t>11.03.2015</a:t>
+              <a:t>18.03.2015</a:t>
             </a:fld>
             <a:endParaRPr lang="ru-RU" dirty="0"/>
           </a:p>
@@ -3351,7 +3356,7 @@
             <a:fld id="{5B106E36-FD25-4E2D-B0AA-010F637433A0}" type="datetimeFigureOut">
               <a:rPr lang="ru-RU" smtClean="0"/>
               <a:pPr/>
-              <a:t>11.03.2015</a:t>
+              <a:t>18.03.2015</a:t>
             </a:fld>
             <a:endParaRPr lang="ru-RU" dirty="0"/>
           </a:p>
@@ -3566,7 +3571,7 @@
             <a:fld id="{5B106E36-FD25-4E2D-B0AA-010F637433A0}" type="datetimeFigureOut">
               <a:rPr lang="ru-RU" smtClean="0"/>
               <a:pPr/>
-              <a:t>11.03.2015</a:t>
+              <a:t>18.03.2015</a:t>
             </a:fld>
             <a:endParaRPr lang="ru-RU" dirty="0"/>
           </a:p>
@@ -25146,7 +25151,7 @@
           <a:graphicData uri="http://schemas.openxmlformats.org/presentationml/2006/ole">
             <mc:AlternateContent xmlns:mc="http://schemas.openxmlformats.org/markup-compatibility/2006">
               <mc:Choice xmlns:v="urn:schemas-microsoft-com:vml" Requires="v">
-                <p:oleObj spid="_x0000_s1535" name="Image" r:id="rId4" imgW="18798367" imgH="13332245" progId="Photoshop.Image.6">
+                <p:oleObj spid="_x0000_s1556" name="Image" r:id="rId4" imgW="18798367" imgH="13332245" progId="Photoshop.Image.6">
                   <p:embed/>
                 </p:oleObj>
               </mc:Choice>
@@ -25377,6 +25382,130 @@
 </p:sld>
 </file>
 
+<file path=ppt/slides/slide30.xml><?xml version="1.0" encoding="utf-8"?>
+<p:sld xmlns:a="http://schemas.openxmlformats.org/drawingml/2006/main" xmlns:r="http://schemas.openxmlformats.org/officeDocument/2006/relationships" xmlns:p="http://schemas.openxmlformats.org/presentationml/2006/main">
+  <p:cSld>
+    <p:spTree>
+      <p:nvGrpSpPr>
+        <p:cNvPr id="1" name=""/>
+        <p:cNvGrpSpPr/>
+        <p:nvPr/>
+      </p:nvGrpSpPr>
+      <p:grpSpPr>
+        <a:xfrm>
+          <a:off x="0" y="0"/>
+          <a:ext cx="0" cy="0"/>
+          <a:chOff x="0" y="0"/>
+          <a:chExt cx="0" cy="0"/>
+        </a:xfrm>
+      </p:grpSpPr>
+      <p:pic>
+        <p:nvPicPr>
+          <p:cNvPr id="5" name="Рисунок 4"/>
+          <p:cNvPicPr>
+            <a:picLocks noChangeAspect="1"/>
+          </p:cNvPicPr>
+          <p:nvPr/>
+        </p:nvPicPr>
+        <p:blipFill>
+          <a:blip r:embed="rId2"/>
+          <a:stretch>
+            <a:fillRect/>
+          </a:stretch>
+        </p:blipFill>
+        <p:spPr>
+          <a:xfrm>
+            <a:off x="323528" y="260648"/>
+            <a:ext cx="5362575" cy="4305300"/>
+          </a:xfrm>
+          <a:prstGeom prst="rect">
+            <a:avLst/>
+          </a:prstGeom>
+        </p:spPr>
+      </p:pic>
+      <p:sp>
+        <p:nvSpPr>
+          <p:cNvPr id="6" name="Овал 5"/>
+          <p:cNvSpPr/>
+          <p:nvPr/>
+        </p:nvSpPr>
+        <p:spPr>
+          <a:xfrm>
+            <a:off x="2051720" y="3861048"/>
+            <a:ext cx="2664296" cy="360040"/>
+          </a:xfrm>
+          <a:prstGeom prst="ellipse">
+            <a:avLst/>
+          </a:prstGeom>
+          <a:noFill/>
+          <a:ln w="34925">
+            <a:solidFill>
+              <a:srgbClr val="FF0000"/>
+            </a:solidFill>
+          </a:ln>
+        </p:spPr>
+        <p:style>
+          <a:lnRef idx="2">
+            <a:schemeClr val="accent1">
+              <a:shade val="50000"/>
+            </a:schemeClr>
+          </a:lnRef>
+          <a:fillRef idx="1">
+            <a:schemeClr val="accent1"/>
+          </a:fillRef>
+          <a:effectRef idx="0">
+            <a:schemeClr val="accent1"/>
+          </a:effectRef>
+          <a:fontRef idx="minor">
+            <a:schemeClr val="lt1"/>
+          </a:fontRef>
+        </p:style>
+        <p:txBody>
+          <a:bodyPr rtlCol="0" anchor="ctr"/>
+          <a:lstStyle/>
+          <a:p>
+            <a:pPr algn="ctr"/>
+            <a:endParaRPr lang="ru-RU"/>
+          </a:p>
+        </p:txBody>
+      </p:sp>
+      <p:pic>
+        <p:nvPicPr>
+          <p:cNvPr id="7" name="Рисунок 6"/>
+          <p:cNvPicPr>
+            <a:picLocks noChangeAspect="1"/>
+          </p:cNvPicPr>
+          <p:nvPr/>
+        </p:nvPicPr>
+        <p:blipFill>
+          <a:blip r:embed="rId3"/>
+          <a:stretch>
+            <a:fillRect/>
+          </a:stretch>
+        </p:blipFill>
+        <p:spPr>
+          <a:xfrm>
+            <a:off x="5699314" y="300795"/>
+            <a:ext cx="2968402" cy="2093104"/>
+          </a:xfrm>
+          <a:prstGeom prst="rect">
+            <a:avLst/>
+          </a:prstGeom>
+        </p:spPr>
+      </p:pic>
+    </p:spTree>
+    <p:extLst>
+      <p:ext uri="{BB962C8B-B14F-4D97-AF65-F5344CB8AC3E}">
+        <p14:creationId xmlns:p14="http://schemas.microsoft.com/office/powerpoint/2010/main" val="1506911228"/>
+      </p:ext>
+    </p:extLst>
+  </p:cSld>
+  <p:clrMapOvr>
+    <a:masterClrMapping/>
+  </p:clrMapOvr>
+</p:sld>
+</file>
+
 <file path=ppt/slides/slide4.xml><?xml version="1.0" encoding="utf-8"?>
 <p:sld xmlns:a="http://schemas.openxmlformats.org/drawingml/2006/main" xmlns:r="http://schemas.openxmlformats.org/officeDocument/2006/relationships" xmlns:p="http://schemas.openxmlformats.org/presentationml/2006/main">
   <p:cSld>
@@ -25804,7 +25933,7 @@
           <a:graphicData uri="http://schemas.openxmlformats.org/presentationml/2006/ole">
             <mc:AlternateContent xmlns:mc="http://schemas.openxmlformats.org/markup-compatibility/2006">
               <mc:Choice xmlns:v="urn:schemas-microsoft-com:vml" Requires="v">
-                <p:oleObj spid="_x0000_s2571" name="Image" r:id="rId4" imgW="9227755" imgH="6573061" progId="Photoshop.Image.6">
+                <p:oleObj spid="_x0000_s2592" name="Image" r:id="rId4" imgW="9227755" imgH="6573061" progId="Photoshop.Image.6">
                   <p:embed/>
                 </p:oleObj>
               </mc:Choice>
